--- a/Share/游戏技术分享/游戏框架分享/strangeIOC.pptx
+++ b/Share/游戏技术分享/游戏框架分享/strangeIOC.pptx
@@ -112,6 +112,11 @@
       </a:defRPr>
     </a:lvl9pPr>
   </p:defaultTextStyle>
+  <p:extLst>
+    <p:ext uri="{EFAFB233-063F-42B5-8137-9DF3F51BA10A}">
+      <p15:sldGuideLst xmlns:p15="http://schemas.microsoft.com/office/powerpoint/2012/main"/>
+    </p:ext>
+  </p:extLst>
 </p:presentation>
 </file>
 
@@ -693,7 +698,7 @@
           </a:lstStyle>
           <a:p>
             <a:r>
-              <a:rPr lang="zh-CN" altLang="en-US" smtClean="0"/>
+              <a:rPr lang="zh-CN" altLang="en-US"/>
               <a:t>单击此处编辑母版标题样式</a:t>
             </a:r>
             <a:endParaRPr lang="en-US" dirty="0"/>
@@ -813,7 +818,7 @@
           </a:lstStyle>
           <a:p>
             <a:r>
-              <a:rPr lang="zh-CN" altLang="en-US" smtClean="0"/>
+              <a:rPr lang="zh-CN" altLang="en-US"/>
               <a:t>单击此处编辑母版副标题样式</a:t>
             </a:r>
             <a:endParaRPr lang="en-US" dirty="0"/>
@@ -939,7 +944,7 @@
           </a:lstStyle>
           <a:p>
             <a:r>
-              <a:rPr lang="zh-CN" altLang="en-US" smtClean="0"/>
+              <a:rPr lang="zh-CN" altLang="en-US"/>
               <a:t>单击此处编辑母版标题样式</a:t>
             </a:r>
             <a:endParaRPr lang="en-US" dirty="0"/>
@@ -1062,7 +1067,7 @@
           <a:p>
             <a:pPr lvl="0"/>
             <a:r>
-              <a:rPr lang="zh-CN" altLang="en-US" smtClean="0"/>
+              <a:rPr lang="zh-CN" altLang="en-US"/>
               <a:t>单击此处编辑母版文本样式</a:t>
             </a:r>
           </a:p>
@@ -1187,7 +1192,7 @@
           </a:lstStyle>
           <a:p>
             <a:r>
-              <a:rPr lang="zh-CN" altLang="en-US" smtClean="0"/>
+              <a:rPr lang="zh-CN" altLang="en-US"/>
               <a:t>单击此处编辑母版标题样式</a:t>
             </a:r>
             <a:endParaRPr lang="en-US" dirty="0"/>
@@ -1251,7 +1256,7 @@
           <a:p>
             <a:pPr lvl="0"/>
             <a:r>
-              <a:rPr lang="zh-CN" altLang="en-US" smtClean="0"/>
+              <a:rPr lang="zh-CN" altLang="en-US"/>
               <a:t>单击此处编辑母版文本样式</a:t>
             </a:r>
           </a:p>
@@ -1373,7 +1378,7 @@
           <a:p>
             <a:pPr lvl="0"/>
             <a:r>
-              <a:rPr lang="zh-CN" altLang="en-US" smtClean="0"/>
+              <a:rPr lang="zh-CN" altLang="en-US"/>
               <a:t>单击此处编辑母版文本样式</a:t>
             </a:r>
           </a:p>
@@ -1588,7 +1593,7 @@
           </a:lstStyle>
           <a:p>
             <a:r>
-              <a:rPr lang="zh-CN" altLang="en-US" smtClean="0"/>
+              <a:rPr lang="zh-CN" altLang="en-US"/>
               <a:t>单击此处编辑母版标题样式</a:t>
             </a:r>
             <a:endParaRPr lang="en-US" dirty="0"/>
@@ -1711,7 +1716,7 @@
           <a:p>
             <a:pPr lvl="0"/>
             <a:r>
-              <a:rPr lang="zh-CN" altLang="en-US" smtClean="0"/>
+              <a:rPr lang="zh-CN" altLang="en-US"/>
               <a:t>单击此处编辑母版文本样式</a:t>
             </a:r>
           </a:p>
@@ -1836,7 +1841,7 @@
           </a:lstStyle>
           <a:p>
             <a:r>
-              <a:rPr lang="zh-CN" altLang="en-US" smtClean="0"/>
+              <a:rPr lang="zh-CN" altLang="en-US"/>
               <a:t>单击此处编辑母版标题样式</a:t>
             </a:r>
             <a:endParaRPr lang="en-US" dirty="0"/>
@@ -1900,7 +1905,7 @@
           <a:p>
             <a:pPr lvl="0"/>
             <a:r>
-              <a:rPr lang="zh-CN" altLang="en-US" smtClean="0"/>
+              <a:rPr lang="zh-CN" altLang="en-US"/>
               <a:t>单击此处编辑母版文本样式</a:t>
             </a:r>
           </a:p>
@@ -2022,7 +2027,7 @@
           <a:p>
             <a:pPr lvl="0"/>
             <a:r>
-              <a:rPr lang="zh-CN" altLang="en-US" smtClean="0"/>
+              <a:rPr lang="zh-CN" altLang="en-US"/>
               <a:t>单击此处编辑母版文本样式</a:t>
             </a:r>
           </a:p>
@@ -2229,7 +2234,7 @@
           </a:lstStyle>
           <a:p>
             <a:r>
-              <a:rPr lang="zh-CN" altLang="en-US" smtClean="0"/>
+              <a:rPr lang="zh-CN" altLang="en-US"/>
               <a:t>单击此处编辑母版标题样式</a:t>
             </a:r>
             <a:endParaRPr lang="en-US" dirty="0"/>
@@ -2290,7 +2295,7 @@
           <a:p>
             <a:pPr lvl="0"/>
             <a:r>
-              <a:rPr lang="zh-CN" altLang="en-US" smtClean="0"/>
+              <a:rPr lang="zh-CN" altLang="en-US"/>
               <a:t>单击此处编辑母版文本样式</a:t>
             </a:r>
           </a:p>
@@ -2412,7 +2417,7 @@
           <a:p>
             <a:pPr lvl="0"/>
             <a:r>
-              <a:rPr lang="zh-CN" altLang="en-US" smtClean="0"/>
+              <a:rPr lang="zh-CN" altLang="en-US"/>
               <a:t>单击此处编辑母版文本样式</a:t>
             </a:r>
           </a:p>
@@ -2526,7 +2531,7 @@
           <a:lstStyle/>
           <a:p>
             <a:r>
-              <a:rPr lang="zh-CN" altLang="en-US" smtClean="0"/>
+              <a:rPr lang="zh-CN" altLang="en-US"/>
               <a:t>单击此处编辑母版标题样式</a:t>
             </a:r>
             <a:endParaRPr lang="en-US" dirty="0"/>
@@ -2550,35 +2555,35 @@
           <a:p>
             <a:pPr lvl="0"/>
             <a:r>
-              <a:rPr lang="zh-CN" altLang="en-US" smtClean="0"/>
+              <a:rPr lang="zh-CN" altLang="en-US"/>
               <a:t>单击此处编辑母版文本样式</a:t>
             </a:r>
           </a:p>
           <a:p>
             <a:pPr lvl="1"/>
             <a:r>
-              <a:rPr lang="zh-CN" altLang="en-US" smtClean="0"/>
+              <a:rPr lang="zh-CN" altLang="en-US"/>
               <a:t>第二级</a:t>
             </a:r>
           </a:p>
           <a:p>
             <a:pPr lvl="2"/>
             <a:r>
-              <a:rPr lang="zh-CN" altLang="en-US" smtClean="0"/>
+              <a:rPr lang="zh-CN" altLang="en-US"/>
               <a:t>第三级</a:t>
             </a:r>
           </a:p>
           <a:p>
             <a:pPr lvl="3"/>
             <a:r>
-              <a:rPr lang="zh-CN" altLang="en-US" smtClean="0"/>
+              <a:rPr lang="zh-CN" altLang="en-US"/>
               <a:t>第四级</a:t>
             </a:r>
           </a:p>
           <a:p>
             <a:pPr lvl="4"/>
             <a:r>
-              <a:rPr lang="zh-CN" altLang="en-US" smtClean="0"/>
+              <a:rPr lang="zh-CN" altLang="en-US"/>
               <a:t>第五级</a:t>
             </a:r>
             <a:endParaRPr lang="en-US" dirty="0"/>
@@ -2696,7 +2701,7 @@
           <a:lstStyle/>
           <a:p>
             <a:r>
-              <a:rPr lang="zh-CN" altLang="en-US" smtClean="0"/>
+              <a:rPr lang="zh-CN" altLang="en-US"/>
               <a:t>单击此处编辑母版标题样式</a:t>
             </a:r>
             <a:endParaRPr lang="en-US" dirty="0"/>
@@ -2725,35 +2730,35 @@
           <a:p>
             <a:pPr lvl="0"/>
             <a:r>
-              <a:rPr lang="zh-CN" altLang="en-US" smtClean="0"/>
+              <a:rPr lang="zh-CN" altLang="en-US"/>
               <a:t>单击此处编辑母版文本样式</a:t>
             </a:r>
           </a:p>
           <a:p>
             <a:pPr lvl="1"/>
             <a:r>
-              <a:rPr lang="zh-CN" altLang="en-US" smtClean="0"/>
+              <a:rPr lang="zh-CN" altLang="en-US"/>
               <a:t>第二级</a:t>
             </a:r>
           </a:p>
           <a:p>
             <a:pPr lvl="2"/>
             <a:r>
-              <a:rPr lang="zh-CN" altLang="en-US" smtClean="0"/>
+              <a:rPr lang="zh-CN" altLang="en-US"/>
               <a:t>第三级</a:t>
             </a:r>
           </a:p>
           <a:p>
             <a:pPr lvl="3"/>
             <a:r>
-              <a:rPr lang="zh-CN" altLang="en-US" smtClean="0"/>
+              <a:rPr lang="zh-CN" altLang="en-US"/>
               <a:t>第四级</a:t>
             </a:r>
           </a:p>
           <a:p>
             <a:pPr lvl="4"/>
             <a:r>
-              <a:rPr lang="zh-CN" altLang="en-US" smtClean="0"/>
+              <a:rPr lang="zh-CN" altLang="en-US"/>
               <a:t>第五级</a:t>
             </a:r>
             <a:endParaRPr lang="en-US" dirty="0"/>
@@ -2874,7 +2879,7 @@
           </a:lstStyle>
           <a:p>
             <a:r>
-              <a:rPr lang="zh-CN" altLang="en-US" smtClean="0"/>
+              <a:rPr lang="zh-CN" altLang="en-US"/>
               <a:t>单击此处编辑母版标题样式</a:t>
             </a:r>
             <a:endParaRPr lang="en-US" dirty="0"/>
@@ -2898,35 +2903,35 @@
           <a:p>
             <a:pPr lvl="0"/>
             <a:r>
-              <a:rPr lang="zh-CN" altLang="en-US" smtClean="0"/>
+              <a:rPr lang="zh-CN" altLang="en-US"/>
               <a:t>单击此处编辑母版文本样式</a:t>
             </a:r>
           </a:p>
           <a:p>
             <a:pPr lvl="1"/>
             <a:r>
-              <a:rPr lang="zh-CN" altLang="en-US" smtClean="0"/>
+              <a:rPr lang="zh-CN" altLang="en-US"/>
               <a:t>第二级</a:t>
             </a:r>
           </a:p>
           <a:p>
             <a:pPr lvl="2"/>
             <a:r>
-              <a:rPr lang="zh-CN" altLang="en-US" smtClean="0"/>
+              <a:rPr lang="zh-CN" altLang="en-US"/>
               <a:t>第三级</a:t>
             </a:r>
           </a:p>
           <a:p>
             <a:pPr lvl="3"/>
             <a:r>
-              <a:rPr lang="zh-CN" altLang="en-US" smtClean="0"/>
+              <a:rPr lang="zh-CN" altLang="en-US"/>
               <a:t>第四级</a:t>
             </a:r>
           </a:p>
           <a:p>
             <a:pPr lvl="4"/>
             <a:r>
-              <a:rPr lang="zh-CN" altLang="en-US" smtClean="0"/>
+              <a:rPr lang="zh-CN" altLang="en-US"/>
               <a:t>第五级</a:t>
             </a:r>
             <a:endParaRPr lang="en-US" dirty="0"/>
@@ -3050,7 +3055,7 @@
           </a:lstStyle>
           <a:p>
             <a:r>
-              <a:rPr lang="zh-CN" altLang="en-US" smtClean="0"/>
+              <a:rPr lang="zh-CN" altLang="en-US"/>
               <a:t>单击此处编辑母版标题样式</a:t>
             </a:r>
             <a:endParaRPr lang="en-US" dirty="0"/>
@@ -3171,7 +3176,7 @@
           <a:p>
             <a:pPr lvl="0"/>
             <a:r>
-              <a:rPr lang="zh-CN" altLang="en-US" smtClean="0"/>
+              <a:rPr lang="zh-CN" altLang="en-US"/>
               <a:t>单击此处编辑母版文本样式</a:t>
             </a:r>
           </a:p>
@@ -3285,7 +3290,7 @@
           <a:lstStyle/>
           <a:p>
             <a:r>
-              <a:rPr lang="zh-CN" altLang="en-US" smtClean="0"/>
+              <a:rPr lang="zh-CN" altLang="en-US"/>
               <a:t>单击此处编辑母版标题样式</a:t>
             </a:r>
             <a:endParaRPr lang="en-US" dirty="0"/>
@@ -3314,35 +3319,35 @@
           <a:p>
             <a:pPr lvl="0"/>
             <a:r>
-              <a:rPr lang="zh-CN" altLang="en-US" smtClean="0"/>
+              <a:rPr lang="zh-CN" altLang="en-US"/>
               <a:t>单击此处编辑母版文本样式</a:t>
             </a:r>
           </a:p>
           <a:p>
             <a:pPr lvl="1"/>
             <a:r>
-              <a:rPr lang="zh-CN" altLang="en-US" smtClean="0"/>
+              <a:rPr lang="zh-CN" altLang="en-US"/>
               <a:t>第二级</a:t>
             </a:r>
           </a:p>
           <a:p>
             <a:pPr lvl="2"/>
             <a:r>
-              <a:rPr lang="zh-CN" altLang="en-US" smtClean="0"/>
+              <a:rPr lang="zh-CN" altLang="en-US"/>
               <a:t>第三级</a:t>
             </a:r>
           </a:p>
           <a:p>
             <a:pPr lvl="3"/>
             <a:r>
-              <a:rPr lang="zh-CN" altLang="en-US" smtClean="0"/>
+              <a:rPr lang="zh-CN" altLang="en-US"/>
               <a:t>第四级</a:t>
             </a:r>
           </a:p>
           <a:p>
             <a:pPr lvl="4"/>
             <a:r>
-              <a:rPr lang="zh-CN" altLang="en-US" smtClean="0"/>
+              <a:rPr lang="zh-CN" altLang="en-US"/>
               <a:t>第五级</a:t>
             </a:r>
             <a:endParaRPr lang="en-US" dirty="0"/>
@@ -3371,35 +3376,35 @@
           <a:p>
             <a:pPr lvl="0"/>
             <a:r>
-              <a:rPr lang="zh-CN" altLang="en-US" smtClean="0"/>
+              <a:rPr lang="zh-CN" altLang="en-US"/>
               <a:t>单击此处编辑母版文本样式</a:t>
             </a:r>
           </a:p>
           <a:p>
             <a:pPr lvl="1"/>
             <a:r>
-              <a:rPr lang="zh-CN" altLang="en-US" smtClean="0"/>
+              <a:rPr lang="zh-CN" altLang="en-US"/>
               <a:t>第二级</a:t>
             </a:r>
           </a:p>
           <a:p>
             <a:pPr lvl="2"/>
             <a:r>
-              <a:rPr lang="zh-CN" altLang="en-US" smtClean="0"/>
+              <a:rPr lang="zh-CN" altLang="en-US"/>
               <a:t>第三级</a:t>
             </a:r>
           </a:p>
           <a:p>
             <a:pPr lvl="3"/>
             <a:r>
-              <a:rPr lang="zh-CN" altLang="en-US" smtClean="0"/>
+              <a:rPr lang="zh-CN" altLang="en-US"/>
               <a:t>第四级</a:t>
             </a:r>
           </a:p>
           <a:p>
             <a:pPr lvl="4"/>
             <a:r>
-              <a:rPr lang="zh-CN" altLang="en-US" smtClean="0"/>
+              <a:rPr lang="zh-CN" altLang="en-US"/>
               <a:t>第五级</a:t>
             </a:r>
             <a:endParaRPr lang="en-US" dirty="0"/>
@@ -3516,7 +3521,7 @@
           </a:lstStyle>
           <a:p>
             <a:r>
-              <a:rPr lang="zh-CN" altLang="en-US" smtClean="0"/>
+              <a:rPr lang="zh-CN" altLang="en-US"/>
               <a:t>单击此处编辑母版标题样式</a:t>
             </a:r>
             <a:endParaRPr lang="en-US" dirty="0"/>
@@ -3584,7 +3589,7 @@
           <a:p>
             <a:pPr lvl="0"/>
             <a:r>
-              <a:rPr lang="zh-CN" altLang="en-US" smtClean="0"/>
+              <a:rPr lang="zh-CN" altLang="en-US"/>
               <a:t>单击此处编辑母版文本样式</a:t>
             </a:r>
           </a:p>
@@ -3614,35 +3619,35 @@
           <a:p>
             <a:pPr lvl="0"/>
             <a:r>
-              <a:rPr lang="zh-CN" altLang="en-US" smtClean="0"/>
+              <a:rPr lang="zh-CN" altLang="en-US"/>
               <a:t>单击此处编辑母版文本样式</a:t>
             </a:r>
           </a:p>
           <a:p>
             <a:pPr lvl="1"/>
             <a:r>
-              <a:rPr lang="zh-CN" altLang="en-US" smtClean="0"/>
+              <a:rPr lang="zh-CN" altLang="en-US"/>
               <a:t>第二级</a:t>
             </a:r>
           </a:p>
           <a:p>
             <a:pPr lvl="2"/>
             <a:r>
-              <a:rPr lang="zh-CN" altLang="en-US" smtClean="0"/>
+              <a:rPr lang="zh-CN" altLang="en-US"/>
               <a:t>第三级</a:t>
             </a:r>
           </a:p>
           <a:p>
             <a:pPr lvl="3"/>
             <a:r>
-              <a:rPr lang="zh-CN" altLang="en-US" smtClean="0"/>
+              <a:rPr lang="zh-CN" altLang="en-US"/>
               <a:t>第四级</a:t>
             </a:r>
           </a:p>
           <a:p>
             <a:pPr lvl="4"/>
             <a:r>
-              <a:rPr lang="zh-CN" altLang="en-US" smtClean="0"/>
+              <a:rPr lang="zh-CN" altLang="en-US"/>
               <a:t>第五级</a:t>
             </a:r>
             <a:endParaRPr lang="en-US" dirty="0"/>
@@ -3710,7 +3715,7 @@
           <a:p>
             <a:pPr lvl="0"/>
             <a:r>
-              <a:rPr lang="zh-CN" altLang="en-US" smtClean="0"/>
+              <a:rPr lang="zh-CN" altLang="en-US"/>
               <a:t>单击此处编辑母版文本样式</a:t>
             </a:r>
           </a:p>
@@ -3740,35 +3745,35 @@
           <a:p>
             <a:pPr lvl="0"/>
             <a:r>
-              <a:rPr lang="zh-CN" altLang="en-US" smtClean="0"/>
+              <a:rPr lang="zh-CN" altLang="en-US"/>
               <a:t>单击此处编辑母版文本样式</a:t>
             </a:r>
           </a:p>
           <a:p>
             <a:pPr lvl="1"/>
             <a:r>
-              <a:rPr lang="zh-CN" altLang="en-US" smtClean="0"/>
+              <a:rPr lang="zh-CN" altLang="en-US"/>
               <a:t>第二级</a:t>
             </a:r>
           </a:p>
           <a:p>
             <a:pPr lvl="2"/>
             <a:r>
-              <a:rPr lang="zh-CN" altLang="en-US" smtClean="0"/>
+              <a:rPr lang="zh-CN" altLang="en-US"/>
               <a:t>第三级</a:t>
             </a:r>
           </a:p>
           <a:p>
             <a:pPr lvl="3"/>
             <a:r>
-              <a:rPr lang="zh-CN" altLang="en-US" smtClean="0"/>
+              <a:rPr lang="zh-CN" altLang="en-US"/>
               <a:t>第四级</a:t>
             </a:r>
           </a:p>
           <a:p>
             <a:pPr lvl="4"/>
             <a:r>
-              <a:rPr lang="zh-CN" altLang="en-US" smtClean="0"/>
+              <a:rPr lang="zh-CN" altLang="en-US"/>
               <a:t>第五级</a:t>
             </a:r>
             <a:endParaRPr lang="en-US" dirty="0"/>
@@ -3888,7 +3893,7 @@
           <a:lstStyle/>
           <a:p>
             <a:r>
-              <a:rPr lang="zh-CN" altLang="en-US" smtClean="0"/>
+              <a:rPr lang="zh-CN" altLang="en-US"/>
               <a:t>单击此处编辑母版标题样式</a:t>
             </a:r>
             <a:endParaRPr lang="en-US" dirty="0"/>
@@ -4106,7 +4111,7 @@
           </a:lstStyle>
           <a:p>
             <a:r>
-              <a:rPr lang="zh-CN" altLang="en-US" smtClean="0"/>
+              <a:rPr lang="zh-CN" altLang="en-US"/>
               <a:t>单击此处编辑母版标题样式</a:t>
             </a:r>
             <a:endParaRPr lang="en-US" dirty="0"/>
@@ -4137,35 +4142,35 @@
           <a:p>
             <a:pPr lvl="0"/>
             <a:r>
-              <a:rPr lang="zh-CN" altLang="en-US" smtClean="0"/>
+              <a:rPr lang="zh-CN" altLang="en-US"/>
               <a:t>单击此处编辑母版文本样式</a:t>
             </a:r>
           </a:p>
           <a:p>
             <a:pPr lvl="1"/>
             <a:r>
-              <a:rPr lang="zh-CN" altLang="en-US" smtClean="0"/>
+              <a:rPr lang="zh-CN" altLang="en-US"/>
               <a:t>第二级</a:t>
             </a:r>
           </a:p>
           <a:p>
             <a:pPr lvl="2"/>
             <a:r>
-              <a:rPr lang="zh-CN" altLang="en-US" smtClean="0"/>
+              <a:rPr lang="zh-CN" altLang="en-US"/>
               <a:t>第三级</a:t>
             </a:r>
           </a:p>
           <a:p>
             <a:pPr lvl="3"/>
             <a:r>
-              <a:rPr lang="zh-CN" altLang="en-US" smtClean="0"/>
+              <a:rPr lang="zh-CN" altLang="en-US"/>
               <a:t>第四级</a:t>
             </a:r>
           </a:p>
           <a:p>
             <a:pPr lvl="4"/>
             <a:r>
-              <a:rPr lang="zh-CN" altLang="en-US" smtClean="0"/>
+              <a:rPr lang="zh-CN" altLang="en-US"/>
               <a:t>第五级</a:t>
             </a:r>
             <a:endParaRPr lang="en-US" dirty="0"/>
@@ -4233,7 +4238,7 @@
           <a:p>
             <a:pPr lvl="0"/>
             <a:r>
-              <a:rPr lang="zh-CN" altLang="en-US" smtClean="0"/>
+              <a:rPr lang="zh-CN" altLang="en-US"/>
               <a:t>单击此处编辑母版文本样式</a:t>
             </a:r>
           </a:p>
@@ -4356,7 +4361,7 @@
           </a:lstStyle>
           <a:p>
             <a:r>
-              <a:rPr lang="zh-CN" altLang="en-US" smtClean="0"/>
+              <a:rPr lang="zh-CN" altLang="en-US"/>
               <a:t>单击此处编辑母版标题样式</a:t>
             </a:r>
             <a:endParaRPr lang="en-US" dirty="0"/>
@@ -4423,7 +4428,7 @@
           </a:lstStyle>
           <a:p>
             <a:r>
-              <a:rPr lang="zh-CN" altLang="en-US" smtClean="0"/>
+              <a:rPr lang="zh-CN" altLang="en-US"/>
               <a:t>单击图标添加图片</a:t>
             </a:r>
             <a:endParaRPr lang="en-US" dirty="0"/>
@@ -4491,7 +4496,7 @@
           <a:p>
             <a:pPr lvl="0"/>
             <a:r>
-              <a:rPr lang="zh-CN" altLang="en-US" smtClean="0"/>
+              <a:rPr lang="zh-CN" altLang="en-US"/>
               <a:t>单击此处编辑母版文本样式</a:t>
             </a:r>
           </a:p>
@@ -5150,7 +5155,7 @@
           <a:lstStyle/>
           <a:p>
             <a:r>
-              <a:rPr lang="zh-CN" altLang="en-US" smtClean="0"/>
+              <a:rPr lang="zh-CN" altLang="en-US"/>
               <a:t>单击此处编辑母版标题样式</a:t>
             </a:r>
             <a:endParaRPr lang="en-US" dirty="0"/>
@@ -5184,35 +5189,35 @@
           <a:p>
             <a:pPr lvl="0"/>
             <a:r>
-              <a:rPr lang="zh-CN" altLang="en-US" smtClean="0"/>
+              <a:rPr lang="zh-CN" altLang="en-US"/>
               <a:t>单击此处编辑母版文本样式</a:t>
             </a:r>
           </a:p>
           <a:p>
             <a:pPr lvl="1"/>
             <a:r>
-              <a:rPr lang="zh-CN" altLang="en-US" smtClean="0"/>
+              <a:rPr lang="zh-CN" altLang="en-US"/>
               <a:t>第二级</a:t>
             </a:r>
           </a:p>
           <a:p>
             <a:pPr lvl="2"/>
             <a:r>
-              <a:rPr lang="zh-CN" altLang="en-US" smtClean="0"/>
+              <a:rPr lang="zh-CN" altLang="en-US"/>
               <a:t>第三级</a:t>
             </a:r>
           </a:p>
           <a:p>
             <a:pPr lvl="3"/>
             <a:r>
-              <a:rPr lang="zh-CN" altLang="en-US" smtClean="0"/>
+              <a:rPr lang="zh-CN" altLang="en-US"/>
               <a:t>第四级</a:t>
             </a:r>
           </a:p>
           <a:p>
             <a:pPr lvl="4"/>
             <a:r>
-              <a:rPr lang="zh-CN" altLang="en-US" smtClean="0"/>
+              <a:rPr lang="zh-CN" altLang="en-US"/>
               <a:t>第五级</a:t>
             </a:r>
             <a:endParaRPr lang="en-US" dirty="0"/>
@@ -5798,7 +5803,7 @@
           <a:lstStyle/>
           <a:p>
             <a:r>
-              <a:rPr lang="en-US" altLang="zh-CN" sz="4400" dirty="0" smtClean="0">
+              <a:rPr lang="en-US" altLang="zh-CN" sz="4400" dirty="0">
                 <a:solidFill>
                   <a:srgbClr val="0070C0"/>
                 </a:solidFill>
@@ -5808,7 +5813,7 @@
               <a:t>strangeIOC</a:t>
             </a:r>
             <a:r>
-              <a:rPr lang="zh-CN" altLang="en-US" sz="4400" dirty="0" smtClean="0">
+              <a:rPr lang="zh-CN" altLang="en-US" sz="4400" dirty="0">
                 <a:solidFill>
                   <a:srgbClr val="0070C0"/>
                 </a:solidFill>
@@ -5817,13 +5822,6 @@
               </a:rPr>
               <a:t>基本框架</a:t>
             </a:r>
-            <a:endParaRPr lang="zh-CN" altLang="en-US" sz="4400" dirty="0">
-              <a:solidFill>
-                <a:srgbClr val="0070C0"/>
-              </a:solidFill>
-              <a:latin typeface="微软雅黑" panose="020B0503020204020204" pitchFamily="34" charset="-122"/>
-              <a:ea typeface="微软雅黑" panose="020B0503020204020204" pitchFamily="34" charset="-122"/>
-            </a:endParaRPr>
           </a:p>
         </p:txBody>
       </p:sp>
@@ -5880,7 +5878,7 @@
           <a:lstStyle/>
           <a:p>
             <a:r>
-              <a:rPr lang="zh-CN" altLang="en-US" sz="1200" dirty="0" smtClean="0">
+              <a:rPr lang="zh-CN" altLang="en-US" sz="1200" dirty="0">
                 <a:solidFill>
                   <a:srgbClr val="0070C0"/>
                 </a:solidFill>
@@ -5890,24 +5888,14 @@
               <a:t>官方文档：</a:t>
             </a:r>
             <a:r>
-              <a:rPr lang="en-US" altLang="zh-CN" sz="1200" dirty="0" smtClean="0">
+              <a:rPr lang="en-US" altLang="zh-CN" sz="1200" dirty="0">
                 <a:solidFill>
                   <a:srgbClr val="0070C0"/>
                 </a:solidFill>
                 <a:latin typeface="微软雅黑" panose="020B0503020204020204" pitchFamily="34" charset="-122"/>
                 <a:ea typeface="微软雅黑" panose="020B0503020204020204" pitchFamily="34" charset="-122"/>
               </a:rPr>
-              <a:t>http</a:t>
-            </a:r>
-            <a:r>
-              <a:rPr lang="en-US" altLang="zh-CN" sz="1200" dirty="0">
-                <a:solidFill>
-                  <a:srgbClr val="0070C0"/>
-                </a:solidFill>
-                <a:latin typeface="微软雅黑" panose="020B0503020204020204" pitchFamily="34" charset="-122"/>
-                <a:ea typeface="微软雅黑" panose="020B0503020204020204" pitchFamily="34" charset="-122"/>
-              </a:rPr>
-              <a:t>://strangeioc.github.io/strangeioc/TheBigStrangeHowTo.html</a:t>
+              <a:t>http://strangeioc.github.io/strangeioc/TheBigStrangeHowTo.html</a:t>
             </a:r>
             <a:endParaRPr lang="zh-CN" altLang="en-US" sz="1200" dirty="0">
               <a:solidFill>
@@ -5972,7 +5960,7 @@
           <a:lstStyle/>
           <a:p>
             <a:r>
-              <a:rPr lang="en-US" altLang="zh-CN" sz="2800" dirty="0" smtClean="0">
+              <a:rPr lang="en-US" altLang="zh-CN" sz="2800" dirty="0">
                 <a:solidFill>
                   <a:srgbClr val="0070C0"/>
                 </a:solidFill>
@@ -5982,7 +5970,7 @@
               <a:t>strangeIOC</a:t>
             </a:r>
             <a:r>
-              <a:rPr lang="zh-CN" altLang="en-US" sz="2800" dirty="0" smtClean="0">
+              <a:rPr lang="zh-CN" altLang="en-US" sz="2800" dirty="0">
                 <a:solidFill>
                   <a:srgbClr val="0070C0"/>
                 </a:solidFill>
@@ -5991,7 +5979,7 @@
               </a:rPr>
               <a:t>基本框架之</a:t>
             </a:r>
-            <a:endParaRPr lang="en-US" altLang="zh-CN" sz="2800" dirty="0" smtClean="0">
+            <a:endParaRPr lang="en-US" altLang="zh-CN" sz="2800" dirty="0">
               <a:solidFill>
                 <a:srgbClr val="0070C0"/>
               </a:solidFill>
@@ -6001,7 +5989,7 @@
           </a:p>
           <a:p>
             <a:r>
-              <a:rPr lang="en-US" altLang="zh-CN" sz="2000" dirty="0" smtClean="0">
+              <a:rPr lang="en-US" altLang="zh-CN" sz="2000" dirty="0">
                 <a:solidFill>
                   <a:srgbClr val="0070C0"/>
                 </a:solidFill>
@@ -6075,18 +6063,6 @@
           <a:lstStyle/>
           <a:p>
             <a:r>
-              <a:rPr lang="zh-CN" altLang="en-US" sz="1400" dirty="0" smtClean="0">
-                <a:solidFill>
-                  <a:schemeClr val="bg1">
-                    <a:lumMod val="50000"/>
-                  </a:schemeClr>
-                </a:solidFill>
-                <a:latin typeface="微软雅黑" panose="020B0503020204020204" pitchFamily="34" charset="-122"/>
-                <a:ea typeface="微软雅黑" panose="020B0503020204020204" pitchFamily="34" charset="-122"/>
-              </a:rPr>
-              <a:t>框架</a:t>
-            </a:r>
-            <a:r>
               <a:rPr lang="zh-CN" altLang="en-US" sz="1400" dirty="0">
                 <a:solidFill>
                   <a:schemeClr val="bg1">
@@ -6096,22 +6072,10 @@
                 <a:latin typeface="微软雅黑" panose="020B0503020204020204" pitchFamily="34" charset="-122"/>
                 <a:ea typeface="微软雅黑" panose="020B0503020204020204" pitchFamily="34" charset="-122"/>
               </a:rPr>
-              <a:t>其实就是一种模块的分离，一种写代码的规则，所为的目的都是便于代码的管理修改，更有利于编码思维。</a:t>
-            </a:r>
-          </a:p>
-          <a:p>
-            <a:r>
-              <a:rPr lang="zh-CN" altLang="en-US" sz="1400" dirty="0" smtClean="0">
-                <a:solidFill>
-                  <a:schemeClr val="bg1">
-                    <a:lumMod val="50000"/>
-                  </a:schemeClr>
-                </a:solidFill>
-                <a:latin typeface="微软雅黑" panose="020B0503020204020204" pitchFamily="34" charset="-122"/>
-                <a:ea typeface="微软雅黑" panose="020B0503020204020204" pitchFamily="34" charset="-122"/>
-              </a:rPr>
-              <a:t>做</a:t>
-            </a:r>
+              <a:t>框架其实就是一种模块的分离，一种写代码的规则，所为的目的都是便于代码的管理修改，更有利于编码思维。</a:t>
+            </a:r>
+          </a:p>
+          <a:p>
             <a:r>
               <a:rPr lang="zh-CN" altLang="en-US" sz="1400" dirty="0">
                 <a:solidFill>
@@ -6122,7 +6086,7 @@
                 <a:latin typeface="微软雅黑" panose="020B0503020204020204" pitchFamily="34" charset="-122"/>
                 <a:ea typeface="微软雅黑" panose="020B0503020204020204" pitchFamily="34" charset="-122"/>
               </a:rPr>
-              <a:t>游戏很重要的一点就是将</a:t>
+              <a:t>做游戏很重要的一点就是将</a:t>
             </a:r>
             <a:r>
               <a:rPr lang="en-US" altLang="zh-CN" sz="1400" dirty="0">
@@ -6194,21 +6158,9 @@
                 <a:latin typeface="微软雅黑" panose="020B0503020204020204" pitchFamily="34" charset="-122"/>
                 <a:ea typeface="微软雅黑" panose="020B0503020204020204" pitchFamily="34" charset="-122"/>
               </a:rPr>
-              <a:t>和逻辑的分离以及各个模块的分离</a:t>
-            </a:r>
-            <a:r>
-              <a:rPr lang="zh-CN" altLang="en-US" sz="1400" dirty="0" smtClean="0">
-                <a:solidFill>
-                  <a:schemeClr val="bg1">
-                    <a:lumMod val="50000"/>
-                  </a:schemeClr>
-                </a:solidFill>
-                <a:latin typeface="微软雅黑" panose="020B0503020204020204" pitchFamily="34" charset="-122"/>
-                <a:ea typeface="微软雅黑" panose="020B0503020204020204" pitchFamily="34" charset="-122"/>
-              </a:rPr>
-              <a:t>。</a:t>
-            </a:r>
-            <a:endParaRPr lang="en-US" altLang="zh-CN" sz="1400" dirty="0" smtClean="0">
+              <a:t>和逻辑的分离以及各个模块的分离。</a:t>
+            </a:r>
+            <a:endParaRPr lang="en-US" altLang="zh-CN" sz="1400" dirty="0">
               <a:solidFill>
                 <a:schemeClr val="bg1">
                   <a:lumMod val="50000"/>
@@ -6231,7 +6183,7 @@
           </a:p>
           <a:p>
             <a:r>
-              <a:rPr lang="en-US" altLang="zh-CN" sz="1400" dirty="0" smtClean="0">
+              <a:rPr lang="en-US" altLang="zh-CN" sz="1400" dirty="0">
                 <a:solidFill>
                   <a:schemeClr val="bg1">
                     <a:lumMod val="50000"/>
@@ -6377,7 +6329,7 @@
           </a:p>
           <a:p>
             <a:r>
-              <a:rPr lang="en-US" altLang="zh-CN" sz="1400" dirty="0" smtClean="0">
+              <a:rPr lang="en-US" altLang="zh-CN" sz="1400" dirty="0">
                 <a:solidFill>
                   <a:schemeClr val="bg1">
                     <a:lumMod val="50000"/>
@@ -6595,7 +6547,7 @@
           </a:p>
           <a:p>
             <a:r>
-              <a:rPr lang="en-US" altLang="zh-CN" sz="1400" dirty="0" smtClean="0">
+              <a:rPr lang="en-US" altLang="zh-CN" sz="1400" dirty="0">
                 <a:solidFill>
                   <a:schemeClr val="bg1">
                     <a:lumMod val="50000"/>
@@ -6837,7 +6789,7 @@
           </a:p>
           <a:p>
             <a:r>
-              <a:rPr lang="en-US" altLang="zh-CN" sz="1400" dirty="0" smtClean="0">
+              <a:rPr lang="en-US" altLang="zh-CN" sz="1400" dirty="0">
                 <a:solidFill>
                   <a:schemeClr val="bg1">
                     <a:lumMod val="50000"/>
@@ -7020,7 +6972,7 @@
           <a:lstStyle/>
           <a:p>
             <a:r>
-              <a:rPr lang="en-US" altLang="zh-CN" sz="2800" dirty="0" smtClean="0">
+              <a:rPr lang="en-US" altLang="zh-CN" sz="2800" dirty="0">
                 <a:solidFill>
                   <a:srgbClr val="0070C0"/>
                 </a:solidFill>
@@ -7030,7 +6982,7 @@
               <a:t>strangeIOC</a:t>
             </a:r>
             <a:r>
-              <a:rPr lang="zh-CN" altLang="en-US" sz="2800" dirty="0" smtClean="0">
+              <a:rPr lang="zh-CN" altLang="en-US" sz="2800" dirty="0">
                 <a:solidFill>
                   <a:srgbClr val="0070C0"/>
                 </a:solidFill>
@@ -7039,7 +6991,7 @@
               </a:rPr>
               <a:t>基本框架之</a:t>
             </a:r>
-            <a:endParaRPr lang="en-US" altLang="zh-CN" sz="2800" dirty="0" smtClean="0">
+            <a:endParaRPr lang="en-US" altLang="zh-CN" sz="2800" dirty="0">
               <a:solidFill>
                 <a:srgbClr val="0070C0"/>
               </a:solidFill>
@@ -7049,7 +7001,7 @@
           </a:p>
           <a:p>
             <a:r>
-              <a:rPr lang="en-US" altLang="zh-CN" sz="2000" dirty="0" err="1" smtClean="0">
+              <a:rPr lang="en-US" altLang="zh-CN" sz="2000" dirty="0" err="1">
                 <a:solidFill>
                   <a:srgbClr val="0070C0"/>
                 </a:solidFill>
@@ -7059,7 +7011,7 @@
               <a:t>Bingding</a:t>
             </a:r>
             <a:r>
-              <a:rPr lang="en-US" altLang="zh-CN" sz="2000" dirty="0" smtClean="0">
+              <a:rPr lang="en-US" altLang="zh-CN" sz="2000" dirty="0">
                 <a:solidFill>
                   <a:srgbClr val="0070C0"/>
                 </a:solidFill>
@@ -7069,7 +7021,7 @@
               <a:t>(</a:t>
             </a:r>
             <a:r>
-              <a:rPr lang="zh-CN" altLang="en-US" sz="2000" dirty="0" smtClean="0">
+              <a:rPr lang="zh-CN" altLang="en-US" sz="2000" dirty="0">
                 <a:solidFill>
                   <a:srgbClr val="0070C0"/>
                 </a:solidFill>
@@ -7079,7 +7031,7 @@
               <a:t>绑定</a:t>
             </a:r>
             <a:r>
-              <a:rPr lang="en-US" altLang="zh-CN" sz="2000" dirty="0" smtClean="0">
+              <a:rPr lang="en-US" altLang="zh-CN" sz="2000" dirty="0">
                 <a:solidFill>
                   <a:srgbClr val="0070C0"/>
                 </a:solidFill>
@@ -7296,21 +7248,9 @@
                 <a:latin typeface="微软雅黑" panose="020B0503020204020204" pitchFamily="34" charset="-122"/>
                 <a:ea typeface="微软雅黑" panose="020B0503020204020204" pitchFamily="34" charset="-122"/>
               </a:rPr>
-              <a:t>，键触发值，因此事件可能是触发回调的关键。或者一个类的实例化可以是导致另一个类实例化的</a:t>
-            </a:r>
-            <a:r>
-              <a:rPr lang="zh-CN" altLang="en-US" sz="1400" dirty="0" smtClean="0">
-                <a:solidFill>
-                  <a:schemeClr val="bg1">
-                    <a:lumMod val="50000"/>
-                  </a:schemeClr>
-                </a:solidFill>
-                <a:latin typeface="微软雅黑" panose="020B0503020204020204" pitchFamily="34" charset="-122"/>
-                <a:ea typeface="微软雅黑" panose="020B0503020204020204" pitchFamily="34" charset="-122"/>
-              </a:rPr>
-              <a:t>关键。</a:t>
-            </a:r>
-            <a:endParaRPr lang="en-US" altLang="zh-CN" sz="1400" dirty="0" smtClean="0">
+              <a:t>，键触发值，因此事件可能是触发回调的关键。或者一个类的实例化可以是导致另一个类实例化的关键。</a:t>
+            </a:r>
+            <a:endParaRPr lang="en-US" altLang="zh-CN" sz="1400" dirty="0">
               <a:solidFill>
                 <a:schemeClr val="bg1">
                   <a:lumMod val="50000"/>
@@ -7375,7 +7315,7 @@
           <a:lstStyle/>
           <a:p>
             <a:r>
-              <a:rPr lang="en-US" altLang="zh-CN" sz="2800" dirty="0" smtClean="0">
+              <a:rPr lang="en-US" altLang="zh-CN" sz="2800" dirty="0">
                 <a:solidFill>
                   <a:srgbClr val="0070C0"/>
                 </a:solidFill>
@@ -7385,7 +7325,7 @@
               <a:t>strangeIOC</a:t>
             </a:r>
             <a:r>
-              <a:rPr lang="zh-CN" altLang="en-US" sz="2800" dirty="0" smtClean="0">
+              <a:rPr lang="zh-CN" altLang="en-US" sz="2800" dirty="0">
                 <a:solidFill>
                   <a:srgbClr val="0070C0"/>
                 </a:solidFill>
@@ -7394,7 +7334,7 @@
               </a:rPr>
               <a:t>基本框架之</a:t>
             </a:r>
-            <a:endParaRPr lang="en-US" altLang="zh-CN" sz="2800" dirty="0" smtClean="0">
+            <a:endParaRPr lang="en-US" altLang="zh-CN" sz="2800" dirty="0">
               <a:solidFill>
                 <a:srgbClr val="0070C0"/>
               </a:solidFill>
@@ -7404,7 +7344,7 @@
           </a:p>
           <a:p>
             <a:r>
-              <a:rPr lang="en-US" altLang="zh-CN" sz="2000" dirty="0" smtClean="0">
+              <a:rPr lang="en-US" altLang="zh-CN" sz="2000" dirty="0">
                 <a:solidFill>
                   <a:srgbClr val="0070C0"/>
                 </a:solidFill>
@@ -7424,7 +7364,7 @@
               <a:t>依赖注入</a:t>
             </a:r>
             <a:r>
-              <a:rPr lang="en-US" altLang="zh-CN" sz="2000" dirty="0" smtClean="0">
+              <a:rPr lang="en-US" altLang="zh-CN" sz="2000" dirty="0">
                 <a:solidFill>
                   <a:srgbClr val="0070C0"/>
                 </a:solidFill>
@@ -7508,7 +7448,7 @@
         <p:spPr>
           <a:xfrm>
             <a:off x="848496" y="3059668"/>
-            <a:ext cx="3462319" cy="738664"/>
+            <a:ext cx="3462319" cy="2031325"/>
           </a:xfrm>
           <a:prstGeom prst="rect">
             <a:avLst/>
@@ -7580,6 +7520,135 @@
                 <a:ea typeface="微软雅黑" panose="020B0503020204020204" pitchFamily="34" charset="-122"/>
               </a:rPr>
               <a:t>时的规则获得对象</a:t>
+            </a:r>
+            <a:endParaRPr lang="en-US" altLang="zh-CN" sz="1400" dirty="0">
+              <a:solidFill>
+                <a:schemeClr val="bg1">
+                  <a:lumMod val="50000"/>
+                </a:schemeClr>
+              </a:solidFill>
+              <a:latin typeface="微软雅黑" panose="020B0503020204020204" pitchFamily="34" charset="-122"/>
+              <a:ea typeface="微软雅黑" panose="020B0503020204020204" pitchFamily="34" charset="-122"/>
+            </a:endParaRPr>
+          </a:p>
+          <a:p>
+            <a:endParaRPr lang="en-US" altLang="zh-CN" sz="1400" dirty="0">
+              <a:solidFill>
+                <a:schemeClr val="bg1">
+                  <a:lumMod val="50000"/>
+                </a:schemeClr>
+              </a:solidFill>
+              <a:latin typeface="微软雅黑" panose="020B0503020204020204" pitchFamily="34" charset="-122"/>
+              <a:ea typeface="微软雅黑" panose="020B0503020204020204" pitchFamily="34" charset="-122"/>
+            </a:endParaRPr>
+          </a:p>
+          <a:p>
+            <a:endParaRPr lang="en-US" altLang="zh-CN" sz="1400" dirty="0">
+              <a:solidFill>
+                <a:schemeClr val="bg1">
+                  <a:lumMod val="50000"/>
+                </a:schemeClr>
+              </a:solidFill>
+              <a:latin typeface="微软雅黑" panose="020B0503020204020204" pitchFamily="34" charset="-122"/>
+              <a:ea typeface="微软雅黑" panose="020B0503020204020204" pitchFamily="34" charset="-122"/>
+            </a:endParaRPr>
+          </a:p>
+          <a:p>
+            <a:r>
+              <a:rPr lang="en-US" altLang="zh-CN" sz="1400" dirty="0" err="1">
+                <a:solidFill>
+                  <a:schemeClr val="bg1">
+                    <a:lumMod val="50000"/>
+                  </a:schemeClr>
+                </a:solidFill>
+                <a:latin typeface="微软雅黑" panose="020B0503020204020204" pitchFamily="34" charset="-122"/>
+                <a:ea typeface="微软雅黑" panose="020B0503020204020204" pitchFamily="34" charset="-122"/>
+              </a:rPr>
+              <a:t>iSpaceship</a:t>
+            </a:r>
+            <a:r>
+              <a:rPr lang="zh-CN" altLang="en-US" sz="1400" dirty="0">
+                <a:solidFill>
+                  <a:schemeClr val="bg1">
+                    <a:lumMod val="50000"/>
+                  </a:schemeClr>
+                </a:solidFill>
+                <a:latin typeface="微软雅黑" panose="020B0503020204020204" pitchFamily="34" charset="-122"/>
+                <a:ea typeface="微软雅黑" panose="020B0503020204020204" pitchFamily="34" charset="-122"/>
+              </a:rPr>
+              <a:t>类与</a:t>
+            </a:r>
+            <a:r>
+              <a:rPr lang="en-US" altLang="zh-CN" sz="1400" dirty="0" err="1">
+                <a:solidFill>
+                  <a:schemeClr val="bg1">
+                    <a:lumMod val="50000"/>
+                  </a:schemeClr>
+                </a:solidFill>
+                <a:latin typeface="微软雅黑" panose="020B0503020204020204" pitchFamily="34" charset="-122"/>
+                <a:ea typeface="微软雅黑" panose="020B0503020204020204" pitchFamily="34" charset="-122"/>
+              </a:rPr>
+              <a:t>waepon</a:t>
+            </a:r>
+            <a:r>
+              <a:rPr lang="zh-CN" altLang="en-US" sz="1400" dirty="0">
+                <a:solidFill>
+                  <a:schemeClr val="bg1">
+                    <a:lumMod val="50000"/>
+                  </a:schemeClr>
+                </a:solidFill>
+                <a:latin typeface="微软雅黑" panose="020B0503020204020204" pitchFamily="34" charset="-122"/>
+                <a:ea typeface="微软雅黑" panose="020B0503020204020204" pitchFamily="34" charset="-122"/>
+              </a:rPr>
+              <a:t>武器类去除了依赖，如果想修改武器，就修改绑定，将</a:t>
+            </a:r>
+            <a:r>
+              <a:rPr lang="en-US" altLang="zh-CN" sz="1400" dirty="0" err="1">
+                <a:solidFill>
+                  <a:schemeClr val="bg1">
+                    <a:lumMod val="50000"/>
+                  </a:schemeClr>
+                </a:solidFill>
+                <a:latin typeface="微软雅黑" panose="020B0503020204020204" pitchFamily="34" charset="-122"/>
+                <a:ea typeface="微软雅黑" panose="020B0503020204020204" pitchFamily="34" charset="-122"/>
+              </a:rPr>
+              <a:t>PhaserGun</a:t>
+            </a:r>
+            <a:r>
+              <a:rPr lang="zh-CN" altLang="en-US" sz="1400" dirty="0">
+                <a:solidFill>
+                  <a:schemeClr val="bg1">
+                    <a:lumMod val="50000"/>
+                  </a:schemeClr>
+                </a:solidFill>
+                <a:latin typeface="微软雅黑" panose="020B0503020204020204" pitchFamily="34" charset="-122"/>
+                <a:ea typeface="微软雅黑" panose="020B0503020204020204" pitchFamily="34" charset="-122"/>
+              </a:rPr>
+              <a:t>换成其他的实现了</a:t>
+            </a:r>
+            <a:r>
+              <a:rPr lang="en-US" altLang="zh-CN" sz="1400" dirty="0" err="1">
+                <a:solidFill>
+                  <a:schemeClr val="bg1">
+                    <a:lumMod val="50000"/>
+                  </a:schemeClr>
+                </a:solidFill>
+                <a:latin typeface="微软雅黑" panose="020B0503020204020204" pitchFamily="34" charset="-122"/>
+                <a:ea typeface="微软雅黑" panose="020B0503020204020204" pitchFamily="34" charset="-122"/>
+              </a:rPr>
+              <a:t>IWeapon</a:t>
+            </a:r>
+            <a:r>
+              <a:rPr lang="zh-CN" altLang="en-US" sz="1400" dirty="0">
+                <a:solidFill>
+                  <a:schemeClr val="bg1">
+                    <a:lumMod val="50000"/>
+                  </a:schemeClr>
+                </a:solidFill>
+                <a:latin typeface="微软雅黑" panose="020B0503020204020204" pitchFamily="34" charset="-122"/>
+                <a:ea typeface="微软雅黑" panose="020B0503020204020204" pitchFamily="34" charset="-122"/>
+              </a:rPr>
+              <a:t>的具体类</a:t>
             </a:r>
           </a:p>
         </p:txBody>
@@ -7637,7 +7706,7 @@
           <a:lstStyle/>
           <a:p>
             <a:r>
-              <a:rPr lang="en-US" altLang="zh-CN" sz="2800" dirty="0" smtClean="0">
+              <a:rPr lang="en-US" altLang="zh-CN" sz="2800" dirty="0">
                 <a:solidFill>
                   <a:srgbClr val="0070C0"/>
                 </a:solidFill>
@@ -7647,7 +7716,7 @@
               <a:t>strangeIOC</a:t>
             </a:r>
             <a:r>
-              <a:rPr lang="zh-CN" altLang="en-US" sz="2800" dirty="0" smtClean="0">
+              <a:rPr lang="zh-CN" altLang="en-US" sz="2800" dirty="0">
                 <a:solidFill>
                   <a:srgbClr val="0070C0"/>
                 </a:solidFill>
@@ -7656,7 +7725,7 @@
               </a:rPr>
               <a:t>基本框架之</a:t>
             </a:r>
-            <a:endParaRPr lang="en-US" altLang="zh-CN" sz="2800" dirty="0" smtClean="0">
+            <a:endParaRPr lang="en-US" altLang="zh-CN" sz="2800" dirty="0">
               <a:solidFill>
                 <a:srgbClr val="0070C0"/>
               </a:solidFill>
@@ -7666,7 +7735,7 @@
           </a:p>
           <a:p>
             <a:r>
-              <a:rPr lang="en-US" altLang="zh-CN" sz="2000" dirty="0" smtClean="0">
+              <a:rPr lang="en-US" altLang="zh-CN" sz="2000" dirty="0">
                 <a:solidFill>
                   <a:srgbClr val="0070C0"/>
                 </a:solidFill>
@@ -7676,7 +7745,7 @@
               <a:t>Dispatcher(</a:t>
             </a:r>
             <a:r>
-              <a:rPr lang="zh-CN" altLang="en-US" sz="2000" dirty="0" smtClean="0">
+              <a:rPr lang="zh-CN" altLang="en-US" sz="2000" dirty="0">
                 <a:solidFill>
                   <a:srgbClr val="0070C0"/>
                 </a:solidFill>
@@ -7686,7 +7755,7 @@
               <a:t>派发器</a:t>
             </a:r>
             <a:r>
-              <a:rPr lang="en-US" altLang="zh-CN" sz="2000" dirty="0" smtClean="0">
+              <a:rPr lang="en-US" altLang="zh-CN" sz="2000" dirty="0">
                 <a:solidFill>
                   <a:srgbClr val="0070C0"/>
                 </a:solidFill>
@@ -7829,23 +7898,7 @@
                 <a:latin typeface="微软雅黑" panose="020B0503020204020204" pitchFamily="34" charset="-122"/>
                 <a:ea typeface="微软雅黑" panose="020B0503020204020204" pitchFamily="34" charset="-122"/>
               </a:rPr>
-              <a:t>方式实现</a:t>
-            </a:r>
-            <a:r>
-              <a:rPr lang="zh-CN" altLang="en-US" sz="1400" dirty="0" smtClean="0">
-                <a:solidFill>
-                  <a:schemeClr val="bg1">
-                    <a:lumMod val="50000"/>
-                  </a:schemeClr>
-                </a:solidFill>
-                <a:latin typeface="微软雅黑" panose="020B0503020204020204" pitchFamily="34" charset="-122"/>
-                <a:ea typeface="微软雅黑" panose="020B0503020204020204" pitchFamily="34" charset="-122"/>
-              </a:rPr>
-              <a:t>，</a:t>
-            </a:r>
-            <a:r>
-              <a:rPr lang="zh-CN" altLang="en-US" sz="1400" dirty="0"/>
-              <a:t>是</a:t>
+              <a:t>方式实现，是</a:t>
             </a:r>
             <a:r>
               <a:rPr lang="en-US" altLang="zh-CN" sz="1400" dirty="0">
@@ -7941,19 +7994,7 @@
                 <a:latin typeface="微软雅黑" panose="020B0503020204020204" pitchFamily="34" charset="-122"/>
                 <a:ea typeface="微软雅黑" panose="020B0503020204020204" pitchFamily="34" charset="-122"/>
               </a:rPr>
-              <a:t>在任何地方都可以发送消息，发送消息后会触发该消息的回调做出</a:t>
-            </a:r>
-            <a:r>
-              <a:rPr lang="zh-CN" altLang="en-US" sz="1400" dirty="0">
-                <a:solidFill>
-                  <a:schemeClr val="bg1">
-                    <a:lumMod val="50000"/>
-                  </a:schemeClr>
-                </a:solidFill>
-                <a:latin typeface="微软雅黑" panose="020B0503020204020204" pitchFamily="34" charset="-122"/>
-                <a:ea typeface="微软雅黑" panose="020B0503020204020204" pitchFamily="34" charset="-122"/>
-              </a:rPr>
-              <a:t>响应局部的</a:t>
+              <a:t>在任何地方都可以发送消息，发送消息后会触发该消息的回调做出响应局部的</a:t>
             </a:r>
             <a:r>
               <a:rPr lang="en-US" altLang="zh-CN" sz="1400" dirty="0" err="1">
@@ -8083,7 +8124,7 @@
           <a:lstStyle/>
           <a:p>
             <a:r>
-              <a:rPr lang="en-US" altLang="zh-CN" sz="2800" dirty="0" smtClean="0">
+              <a:rPr lang="en-US" altLang="zh-CN" sz="2800" dirty="0">
                 <a:solidFill>
                   <a:srgbClr val="0070C0"/>
                 </a:solidFill>
@@ -8093,7 +8134,7 @@
               <a:t>strangeIOC</a:t>
             </a:r>
             <a:r>
-              <a:rPr lang="zh-CN" altLang="en-US" sz="2800" dirty="0" smtClean="0">
+              <a:rPr lang="zh-CN" altLang="en-US" sz="2800" dirty="0">
                 <a:solidFill>
                   <a:srgbClr val="0070C0"/>
                 </a:solidFill>
@@ -8102,7 +8143,7 @@
               </a:rPr>
               <a:t>基本框架之</a:t>
             </a:r>
-            <a:endParaRPr lang="en-US" altLang="zh-CN" sz="2800" dirty="0" smtClean="0">
+            <a:endParaRPr lang="en-US" altLang="zh-CN" sz="2800" dirty="0">
               <a:solidFill>
                 <a:srgbClr val="0070C0"/>
               </a:solidFill>
@@ -8112,7 +8153,7 @@
           </a:p>
           <a:p>
             <a:r>
-              <a:rPr lang="en-US" altLang="zh-CN" sz="2000" dirty="0" smtClean="0">
+              <a:rPr lang="en-US" altLang="zh-CN" sz="2000" dirty="0">
                 <a:solidFill>
                   <a:srgbClr val="0070C0"/>
                 </a:solidFill>
@@ -8122,7 +8163,7 @@
               <a:t>VIEW(</a:t>
             </a:r>
             <a:r>
-              <a:rPr lang="zh-CN" altLang="en-US" sz="2000" dirty="0" smtClean="0">
+              <a:rPr lang="zh-CN" altLang="en-US" sz="2000" dirty="0">
                 <a:solidFill>
                   <a:srgbClr val="0070C0"/>
                 </a:solidFill>
@@ -8132,7 +8173,7 @@
               <a:t>视图</a:t>
             </a:r>
             <a:r>
-              <a:rPr lang="en-US" altLang="zh-CN" sz="2000" dirty="0" smtClean="0">
+              <a:rPr lang="en-US" altLang="zh-CN" sz="2000" dirty="0">
                 <a:solidFill>
                   <a:srgbClr val="0070C0"/>
                 </a:solidFill>
@@ -8206,7 +8247,7 @@
           <a:lstStyle/>
           <a:p>
             <a:r>
-              <a:rPr lang="zh-CN" altLang="en-US" sz="1400" dirty="0" smtClean="0">
+              <a:rPr lang="zh-CN" altLang="en-US" sz="1400" dirty="0">
                 <a:solidFill>
                   <a:schemeClr val="bg1">
                     <a:lumMod val="50000"/>
@@ -8266,7 +8307,7 @@
               <a:t>。</a:t>
             </a:r>
             <a:r>
-              <a:rPr lang="en-US" altLang="zh-CN" sz="1400" dirty="0" smtClean="0">
+              <a:rPr lang="en-US" altLang="zh-CN" sz="1400" dirty="0">
                 <a:solidFill>
                   <a:schemeClr val="bg1">
                     <a:lumMod val="50000"/>
@@ -8278,18 +8319,6 @@
               <a:t>View</a:t>
             </a:r>
             <a:r>
-              <a:rPr lang="zh-CN" altLang="en-US" sz="1400" dirty="0" smtClean="0">
-                <a:solidFill>
-                  <a:schemeClr val="bg1">
-                    <a:lumMod val="50000"/>
-                  </a:schemeClr>
-                </a:solidFill>
-                <a:latin typeface="微软雅黑" panose="020B0503020204020204" pitchFamily="34" charset="-122"/>
-                <a:ea typeface="微软雅黑" panose="020B0503020204020204" pitchFamily="34" charset="-122"/>
-              </a:rPr>
-              <a:t>可以</a:t>
-            </a:r>
-            <a:r>
               <a:rPr lang="zh-CN" altLang="en-US" sz="1400" dirty="0">
                 <a:solidFill>
                   <a:schemeClr val="bg1">
@@ -8299,33 +8328,9 @@
                 <a:latin typeface="微软雅黑" panose="020B0503020204020204" pitchFamily="34" charset="-122"/>
                 <a:ea typeface="微软雅黑" panose="020B0503020204020204" pitchFamily="34" charset="-122"/>
               </a:rPr>
-              <a:t>扩展它来编写控制用户看到的视觉（和听觉）输入和输出的</a:t>
-            </a:r>
-            <a:r>
-              <a:rPr lang="zh-CN" altLang="en-US" sz="1400" dirty="0">
-                <a:solidFill>
-                  <a:schemeClr val="bg1">
-                    <a:lumMod val="50000"/>
-                  </a:schemeClr>
-                </a:solidFill>
-                <a:latin typeface="微软雅黑" panose="020B0503020204020204" pitchFamily="34" charset="-122"/>
-                <a:ea typeface="微软雅黑" panose="020B0503020204020204" pitchFamily="34" charset="-122"/>
-              </a:rPr>
-              <a:t>行为，当用户与这些组件交互时，调度</a:t>
-            </a:r>
-            <a:r>
-              <a:rPr lang="zh-CN" altLang="en-US" sz="1400" dirty="0" smtClean="0">
-                <a:solidFill>
-                  <a:schemeClr val="bg1">
-                    <a:lumMod val="50000"/>
-                  </a:schemeClr>
-                </a:solidFill>
-                <a:latin typeface="微软雅黑" panose="020B0503020204020204" pitchFamily="34" charset="-122"/>
-                <a:ea typeface="微软雅黑" panose="020B0503020204020204" pitchFamily="34" charset="-122"/>
-              </a:rPr>
-              <a:t>事件，但具体逻辑不在视图中实现。</a:t>
-            </a:r>
-            <a:endParaRPr lang="en-US" altLang="zh-CN" sz="1400" dirty="0" smtClean="0">
+              <a:t>可以扩展它来编写控制用户看到的视觉（和听觉）输入和输出的行为，当用户与这些组件交互时，调度事件，但具体逻辑不在视图中实现。</a:t>
+            </a:r>
+            <a:endParaRPr lang="en-US" altLang="zh-CN" sz="1400" dirty="0">
               <a:solidFill>
                 <a:schemeClr val="bg1">
                   <a:lumMod val="50000"/>
@@ -8370,7 +8375,31 @@
                 <a:latin typeface="微软雅黑" panose="020B0503020204020204" pitchFamily="34" charset="-122"/>
                 <a:ea typeface="微软雅黑" panose="020B0503020204020204" pitchFamily="34" charset="-122"/>
               </a:rPr>
-              <a:t>，控制</a:t>
+              <a:t>，控制可见部分的</a:t>
+            </a:r>
+            <a:r>
+              <a:rPr lang="en-US" altLang="zh-CN" sz="1400" dirty="0" err="1">
+                <a:solidFill>
+                  <a:schemeClr val="bg1">
+                    <a:lumMod val="50000"/>
+                  </a:schemeClr>
+                </a:solidFill>
+                <a:latin typeface="微软雅黑" panose="020B0503020204020204" pitchFamily="34" charset="-122"/>
+                <a:ea typeface="微软雅黑" panose="020B0503020204020204" pitchFamily="34" charset="-122"/>
+              </a:rPr>
+              <a:t>monobehavior</a:t>
+            </a:r>
+            <a:r>
+              <a:rPr lang="en-US" altLang="zh-CN" sz="1400" dirty="0">
+                <a:solidFill>
+                  <a:schemeClr val="bg1">
+                    <a:lumMod val="50000"/>
+                  </a:schemeClr>
+                </a:solidFill>
+                <a:latin typeface="微软雅黑" panose="020B0503020204020204" pitchFamily="34" charset="-122"/>
+                <a:ea typeface="微软雅黑" panose="020B0503020204020204" pitchFamily="34" charset="-122"/>
+              </a:rPr>
+              <a:t> </a:t>
             </a:r>
             <a:r>
               <a:rPr lang="zh-CN" altLang="en-US" sz="1400" dirty="0">
@@ -8382,7 +8411,31 @@
                 <a:latin typeface="微软雅黑" panose="020B0503020204020204" pitchFamily="34" charset="-122"/>
                 <a:ea typeface="微软雅黑" panose="020B0503020204020204" pitchFamily="34" charset="-122"/>
               </a:rPr>
-              <a:t>可见部分的</a:t>
+              <a:t>这个类可以附加（拖拽）到</a:t>
+            </a:r>
+            <a:r>
+              <a:rPr lang="en-US" altLang="zh-CN" sz="1400" dirty="0">
+                <a:solidFill>
+                  <a:schemeClr val="bg1">
+                    <a:lumMod val="50000"/>
+                  </a:schemeClr>
+                </a:solidFill>
+                <a:latin typeface="微软雅黑" panose="020B0503020204020204" pitchFamily="34" charset="-122"/>
+                <a:ea typeface="微软雅黑" panose="020B0503020204020204" pitchFamily="34" charset="-122"/>
+              </a:rPr>
+              <a:t>unity</a:t>
+            </a:r>
+            <a:r>
+              <a:rPr lang="zh-CN" altLang="en-US" sz="1400" dirty="0">
+                <a:solidFill>
+                  <a:schemeClr val="bg1">
+                    <a:lumMod val="50000"/>
+                  </a:schemeClr>
+                </a:solidFill>
+                <a:latin typeface="微软雅黑" panose="020B0503020204020204" pitchFamily="34" charset="-122"/>
+                <a:ea typeface="微软雅黑" panose="020B0503020204020204" pitchFamily="34" charset="-122"/>
+              </a:rPr>
+              <a:t>编辑器来管理</a:t>
             </a:r>
             <a:r>
               <a:rPr lang="en-US" altLang="zh-CN" sz="1400" dirty="0" err="1">
@@ -8394,69 +8447,9 @@
                 <a:latin typeface="微软雅黑" panose="020B0503020204020204" pitchFamily="34" charset="-122"/>
                 <a:ea typeface="微软雅黑" panose="020B0503020204020204" pitchFamily="34" charset="-122"/>
               </a:rPr>
-              <a:t>monobehavior</a:t>
-            </a:r>
-            <a:r>
-              <a:rPr lang="en-US" altLang="zh-CN" sz="1400" dirty="0">
-                <a:solidFill>
-                  <a:schemeClr val="bg1">
-                    <a:lumMod val="50000"/>
-                  </a:schemeClr>
-                </a:solidFill>
-                <a:latin typeface="微软雅黑" panose="020B0503020204020204" pitchFamily="34" charset="-122"/>
-                <a:ea typeface="微软雅黑" panose="020B0503020204020204" pitchFamily="34" charset="-122"/>
-              </a:rPr>
-              <a:t> </a:t>
-            </a:r>
-            <a:r>
-              <a:rPr lang="zh-CN" altLang="en-US" sz="1400" dirty="0">
-                <a:solidFill>
-                  <a:schemeClr val="bg1">
-                    <a:lumMod val="50000"/>
-                  </a:schemeClr>
-                </a:solidFill>
-                <a:latin typeface="微软雅黑" panose="020B0503020204020204" pitchFamily="34" charset="-122"/>
-                <a:ea typeface="微软雅黑" panose="020B0503020204020204" pitchFamily="34" charset="-122"/>
-              </a:rPr>
-              <a:t>这个类可以附加（拖拽）到</a:t>
-            </a:r>
-            <a:r>
-              <a:rPr lang="en-US" altLang="zh-CN" sz="1400" dirty="0">
-                <a:solidFill>
-                  <a:schemeClr val="bg1">
-                    <a:lumMod val="50000"/>
-                  </a:schemeClr>
-                </a:solidFill>
-                <a:latin typeface="微软雅黑" panose="020B0503020204020204" pitchFamily="34" charset="-122"/>
-                <a:ea typeface="微软雅黑" panose="020B0503020204020204" pitchFamily="34" charset="-122"/>
-              </a:rPr>
-              <a:t>unity</a:t>
-            </a:r>
-            <a:r>
-              <a:rPr lang="zh-CN" altLang="en-US" sz="1400" dirty="0">
-                <a:solidFill>
-                  <a:schemeClr val="bg1">
-                    <a:lumMod val="50000"/>
-                  </a:schemeClr>
-                </a:solidFill>
-                <a:latin typeface="微软雅黑" panose="020B0503020204020204" pitchFamily="34" charset="-122"/>
-                <a:ea typeface="微软雅黑" panose="020B0503020204020204" pitchFamily="34" charset="-122"/>
-              </a:rPr>
-              <a:t>编辑器来管理</a:t>
-            </a:r>
-            <a:r>
-              <a:rPr lang="en-US" altLang="zh-CN" sz="1400" dirty="0" err="1" smtClean="0">
-                <a:solidFill>
-                  <a:schemeClr val="bg1">
-                    <a:lumMod val="50000"/>
-                  </a:schemeClr>
-                </a:solidFill>
-                <a:latin typeface="微软雅黑" panose="020B0503020204020204" pitchFamily="34" charset="-122"/>
-                <a:ea typeface="微软雅黑" panose="020B0503020204020204" pitchFamily="34" charset="-122"/>
-              </a:rPr>
               <a:t>GameObject</a:t>
             </a:r>
-            <a:endParaRPr lang="en-US" altLang="zh-CN" sz="1400" dirty="0" smtClean="0">
+            <a:endParaRPr lang="en-US" altLang="zh-CN" sz="1400" dirty="0">
               <a:solidFill>
                 <a:schemeClr val="bg1">
                   <a:lumMod val="50000"/>
@@ -8468,7 +8461,7 @@
           </a:p>
           <a:p>
             <a:r>
-              <a:rPr lang="zh-CN" altLang="en-US" sz="1400" dirty="0" smtClean="0">
+              <a:rPr lang="zh-CN" altLang="en-US" sz="1400" dirty="0">
                 <a:solidFill>
                   <a:schemeClr val="bg1">
                     <a:lumMod val="50000"/>
@@ -8480,7 +8473,7 @@
               <a:t>视图只跟对应的</a:t>
             </a:r>
             <a:r>
-              <a:rPr lang="en-US" altLang="zh-CN" sz="1400" dirty="0" smtClean="0">
+              <a:rPr lang="en-US" altLang="zh-CN" sz="1400" dirty="0">
                 <a:solidFill>
                   <a:schemeClr val="bg1">
                     <a:lumMod val="50000"/>
@@ -8492,7 +8485,7 @@
               <a:t>mediator</a:t>
             </a:r>
             <a:r>
-              <a:rPr lang="zh-CN" altLang="en-US" sz="1400" dirty="0" smtClean="0">
+              <a:rPr lang="zh-CN" altLang="en-US" sz="1400" dirty="0">
                 <a:solidFill>
                   <a:schemeClr val="bg1">
                     <a:lumMod val="50000"/>
@@ -8503,15 +8496,6 @@
               </a:rPr>
               <a:t>交互</a:t>
             </a:r>
-            <a:endParaRPr lang="zh-CN" altLang="en-US" sz="1400" dirty="0">
-              <a:solidFill>
-                <a:schemeClr val="bg1">
-                  <a:lumMod val="50000"/>
-                </a:schemeClr>
-              </a:solidFill>
-              <a:latin typeface="微软雅黑" panose="020B0503020204020204" pitchFamily="34" charset="-122"/>
-              <a:ea typeface="微软雅黑" panose="020B0503020204020204" pitchFamily="34" charset="-122"/>
-            </a:endParaRPr>
           </a:p>
         </p:txBody>
       </p:sp>
@@ -8568,7 +8552,7 @@
           <a:lstStyle/>
           <a:p>
             <a:r>
-              <a:rPr lang="en-US" altLang="zh-CN" sz="2800" dirty="0" smtClean="0">
+              <a:rPr lang="en-US" altLang="zh-CN" sz="2800" dirty="0">
                 <a:solidFill>
                   <a:srgbClr val="0070C0"/>
                 </a:solidFill>
@@ -8578,7 +8562,7 @@
               <a:t>strangeIOC</a:t>
             </a:r>
             <a:r>
-              <a:rPr lang="zh-CN" altLang="en-US" sz="2800" dirty="0" smtClean="0">
+              <a:rPr lang="zh-CN" altLang="en-US" sz="2800" dirty="0">
                 <a:solidFill>
                   <a:srgbClr val="0070C0"/>
                 </a:solidFill>
@@ -8587,7 +8571,7 @@
               </a:rPr>
               <a:t>基本框架之</a:t>
             </a:r>
-            <a:endParaRPr lang="en-US" altLang="zh-CN" sz="2800" dirty="0" smtClean="0">
+            <a:endParaRPr lang="en-US" altLang="zh-CN" sz="2800" dirty="0">
               <a:solidFill>
                 <a:srgbClr val="0070C0"/>
               </a:solidFill>
@@ -8597,7 +8581,7 @@
           </a:p>
           <a:p>
             <a:r>
-              <a:rPr lang="en-US" altLang="zh-CN" sz="2000" dirty="0" smtClean="0">
+              <a:rPr lang="en-US" altLang="zh-CN" sz="2000" dirty="0">
                 <a:solidFill>
                   <a:srgbClr val="0070C0"/>
                 </a:solidFill>
@@ -8617,7 +8601,7 @@
               <a:t>中间层</a:t>
             </a:r>
             <a:r>
-              <a:rPr lang="en-US" altLang="zh-CN" sz="2000" dirty="0" smtClean="0">
+              <a:rPr lang="en-US" altLang="zh-CN" sz="2000" dirty="0">
                 <a:solidFill>
                   <a:srgbClr val="0070C0"/>
                 </a:solidFill>
@@ -8691,7 +8675,7 @@
           <a:lstStyle/>
           <a:p>
             <a:r>
-              <a:rPr lang="en-US" altLang="zh-CN" sz="1400" dirty="0" smtClean="0">
+              <a:rPr lang="en-US" altLang="zh-CN" sz="1400" dirty="0">
                 <a:solidFill>
                   <a:schemeClr val="bg1">
                     <a:lumMod val="50000"/>
@@ -8808,31 +8792,8 @@
                 <a:latin typeface="微软雅黑" panose="020B0503020204020204" pitchFamily="34" charset="-122"/>
                 <a:ea typeface="微软雅黑" panose="020B0503020204020204" pitchFamily="34" charset="-122"/>
               </a:rPr>
-              <a:t>）来做这部分</a:t>
-            </a:r>
-            <a:r>
-              <a:rPr lang="zh-CN" altLang="en-US" sz="1400" dirty="0" smtClean="0">
-                <a:solidFill>
-                  <a:schemeClr val="bg1">
-                    <a:lumMod val="50000"/>
-                  </a:schemeClr>
-                </a:solidFill>
-                <a:latin typeface="微软雅黑" panose="020B0503020204020204" pitchFamily="34" charset="-122"/>
-                <a:ea typeface="微软雅黑" panose="020B0503020204020204" pitchFamily="34" charset="-122"/>
-              </a:rPr>
-              <a:t>功能</a:t>
-            </a:r>
-            <a:endParaRPr lang="en-US" altLang="zh-CN" sz="1400" dirty="0" smtClean="0">
-              <a:solidFill>
-                <a:schemeClr val="bg1">
-                  <a:lumMod val="50000"/>
-                </a:schemeClr>
-              </a:solidFill>
-              <a:latin typeface="微软雅黑" panose="020B0503020204020204" pitchFamily="34" charset="-122"/>
-              <a:ea typeface="微软雅黑" panose="020B0503020204020204" pitchFamily="34" charset="-122"/>
-            </a:endParaRPr>
-          </a:p>
-          <a:p>
+              <a:t>）来做这部分功能</a:t>
+            </a:r>
             <a:endParaRPr lang="en-US" altLang="zh-CN" sz="1400" dirty="0">
               <a:solidFill>
                 <a:schemeClr val="bg1">
@@ -8844,196 +8805,6 @@
             </a:endParaRPr>
           </a:p>
           <a:p>
-            <a:r>
-              <a:rPr lang="zh-CN" altLang="en-US" sz="1400" dirty="0" smtClean="0">
-                <a:solidFill>
-                  <a:schemeClr val="bg1">
-                    <a:lumMod val="50000"/>
-                  </a:schemeClr>
-                </a:solidFill>
-                <a:latin typeface="微软雅黑" panose="020B0503020204020204" pitchFamily="34" charset="-122"/>
-                <a:ea typeface="微软雅黑" panose="020B0503020204020204" pitchFamily="34" charset="-122"/>
-              </a:rPr>
-              <a:t>可以通过注入</a:t>
-            </a:r>
-            <a:r>
-              <a:rPr lang="en-US" altLang="zh-CN" sz="1400" dirty="0" smtClean="0">
-                <a:solidFill>
-                  <a:schemeClr val="bg1">
-                    <a:lumMod val="50000"/>
-                  </a:schemeClr>
-                </a:solidFill>
-                <a:latin typeface="微软雅黑" panose="020B0503020204020204" pitchFamily="34" charset="-122"/>
-                <a:ea typeface="微软雅黑" panose="020B0503020204020204" pitchFamily="34" charset="-122"/>
-              </a:rPr>
-              <a:t>view</a:t>
-            </a:r>
-            <a:r>
-              <a:rPr lang="zh-CN" altLang="en-US" sz="1400" dirty="0" smtClean="0">
-                <a:solidFill>
-                  <a:schemeClr val="bg1">
-                    <a:lumMod val="50000"/>
-                  </a:schemeClr>
-                </a:solidFill>
-                <a:latin typeface="微软雅黑" panose="020B0503020204020204" pitchFamily="34" charset="-122"/>
-                <a:ea typeface="微软雅黑" panose="020B0503020204020204" pitchFamily="34" charset="-122"/>
-              </a:rPr>
-              <a:t>知道对应哪个具体的</a:t>
-            </a:r>
-            <a:r>
-              <a:rPr lang="en-US" altLang="zh-CN" sz="1400" dirty="0" smtClean="0">
-                <a:solidFill>
-                  <a:schemeClr val="bg1">
-                    <a:lumMod val="50000"/>
-                  </a:schemeClr>
-                </a:solidFill>
-                <a:latin typeface="微软雅黑" panose="020B0503020204020204" pitchFamily="34" charset="-122"/>
-                <a:ea typeface="微软雅黑" panose="020B0503020204020204" pitchFamily="34" charset="-122"/>
-              </a:rPr>
-              <a:t>view</a:t>
-            </a:r>
-            <a:r>
-              <a:rPr lang="zh-CN" altLang="en-US" sz="1400" dirty="0" smtClean="0">
-                <a:solidFill>
-                  <a:schemeClr val="bg1">
-                    <a:lumMod val="50000"/>
-                  </a:schemeClr>
-                </a:solidFill>
-                <a:latin typeface="微软雅黑" panose="020B0503020204020204" pitchFamily="34" charset="-122"/>
-                <a:ea typeface="微软雅黑" panose="020B0503020204020204" pitchFamily="34" charset="-122"/>
-              </a:rPr>
-              <a:t>，</a:t>
-            </a:r>
-            <a:r>
-              <a:rPr lang="zh-CN" altLang="en-US" sz="1400" dirty="0">
-                <a:solidFill>
-                  <a:schemeClr val="bg1">
-                    <a:lumMod val="50000"/>
-                  </a:schemeClr>
-                </a:solidFill>
-                <a:latin typeface="微软雅黑" panose="020B0503020204020204" pitchFamily="34" charset="-122"/>
-                <a:ea typeface="微软雅黑" panose="020B0503020204020204" pitchFamily="34" charset="-122"/>
-              </a:rPr>
-              <a:t>注入完成后</a:t>
-            </a:r>
-            <a:r>
-              <a:rPr lang="en-US" altLang="zh-CN" sz="1400" dirty="0" err="1">
-                <a:solidFill>
-                  <a:schemeClr val="bg1">
-                    <a:lumMod val="50000"/>
-                  </a:schemeClr>
-                </a:solidFill>
-                <a:latin typeface="微软雅黑" panose="020B0503020204020204" pitchFamily="34" charset="-122"/>
-                <a:ea typeface="微软雅黑" panose="020B0503020204020204" pitchFamily="34" charset="-122"/>
-              </a:rPr>
-              <a:t>OnRegister</a:t>
-            </a:r>
-            <a:r>
-              <a:rPr lang="zh-CN" altLang="en-US" sz="1400" dirty="0">
-                <a:solidFill>
-                  <a:schemeClr val="bg1">
-                    <a:lumMod val="50000"/>
-                  </a:schemeClr>
-                </a:solidFill>
-                <a:latin typeface="微软雅黑" panose="020B0503020204020204" pitchFamily="34" charset="-122"/>
-                <a:ea typeface="微软雅黑" panose="020B0503020204020204" pitchFamily="34" charset="-122"/>
-              </a:rPr>
-              <a:t>（）方法会立即</a:t>
-            </a:r>
-            <a:r>
-              <a:rPr lang="zh-CN" altLang="en-US" sz="1400" dirty="0" smtClean="0">
-                <a:solidFill>
-                  <a:schemeClr val="bg1">
-                    <a:lumMod val="50000"/>
-                  </a:schemeClr>
-                </a:solidFill>
-                <a:latin typeface="微软雅黑" panose="020B0503020204020204" pitchFamily="34" charset="-122"/>
-                <a:ea typeface="微软雅黑" panose="020B0503020204020204" pitchFamily="34" charset="-122"/>
-              </a:rPr>
-              <a:t>执行，可用来做初始化。</a:t>
-            </a:r>
-            <a:endParaRPr lang="en-US" altLang="zh-CN" sz="1400" dirty="0" smtClean="0">
-              <a:solidFill>
-                <a:schemeClr val="bg1">
-                  <a:lumMod val="50000"/>
-                </a:schemeClr>
-              </a:solidFill>
-              <a:latin typeface="微软雅黑" panose="020B0503020204020204" pitchFamily="34" charset="-122"/>
-              <a:ea typeface="微软雅黑" panose="020B0503020204020204" pitchFamily="34" charset="-122"/>
-            </a:endParaRPr>
-          </a:p>
-          <a:p>
-            <a:r>
-              <a:rPr lang="en-US" altLang="zh-CN" sz="1400" dirty="0" err="1">
-                <a:solidFill>
-                  <a:schemeClr val="bg1">
-                    <a:lumMod val="50000"/>
-                  </a:schemeClr>
-                </a:solidFill>
-                <a:latin typeface="微软雅黑" panose="020B0503020204020204" pitchFamily="34" charset="-122"/>
-                <a:ea typeface="微软雅黑" panose="020B0503020204020204" pitchFamily="34" charset="-122"/>
-              </a:rPr>
-              <a:t>OnRemove</a:t>
-            </a:r>
-            <a:r>
-              <a:rPr lang="zh-CN" altLang="en-US" sz="1400" dirty="0">
-                <a:solidFill>
-                  <a:schemeClr val="bg1">
-                    <a:lumMod val="50000"/>
-                  </a:schemeClr>
-                </a:solidFill>
-                <a:latin typeface="微软雅黑" panose="020B0503020204020204" pitchFamily="34" charset="-122"/>
-                <a:ea typeface="微软雅黑" panose="020B0503020204020204" pitchFamily="34" charset="-122"/>
-              </a:rPr>
-              <a:t>（）清理时使用，当一个</a:t>
-            </a:r>
-            <a:r>
-              <a:rPr lang="en-US" altLang="zh-CN" sz="1400" dirty="0">
-                <a:solidFill>
-                  <a:schemeClr val="bg1">
-                    <a:lumMod val="50000"/>
-                  </a:schemeClr>
-                </a:solidFill>
-                <a:latin typeface="微软雅黑" panose="020B0503020204020204" pitchFamily="34" charset="-122"/>
-                <a:ea typeface="微软雅黑" panose="020B0503020204020204" pitchFamily="34" charset="-122"/>
-              </a:rPr>
-              <a:t>view</a:t>
-            </a:r>
-            <a:r>
-              <a:rPr lang="zh-CN" altLang="en-US" sz="1400" dirty="0">
-                <a:solidFill>
-                  <a:schemeClr val="bg1">
-                    <a:lumMod val="50000"/>
-                  </a:schemeClr>
-                </a:solidFill>
-                <a:latin typeface="微软雅黑" panose="020B0503020204020204" pitchFamily="34" charset="-122"/>
-                <a:ea typeface="微软雅黑" panose="020B0503020204020204" pitchFamily="34" charset="-122"/>
-              </a:rPr>
-              <a:t>销毁前被调用，移除时记得删除你的</a:t>
-            </a:r>
-            <a:r>
-              <a:rPr lang="zh-CN" altLang="en-US" sz="1400" dirty="0" smtClean="0">
-                <a:solidFill>
-                  <a:schemeClr val="bg1">
-                    <a:lumMod val="50000"/>
-                  </a:schemeClr>
-                </a:solidFill>
-                <a:latin typeface="微软雅黑" panose="020B0503020204020204" pitchFamily="34" charset="-122"/>
-                <a:ea typeface="微软雅黑" panose="020B0503020204020204" pitchFamily="34" charset="-122"/>
-              </a:rPr>
-              <a:t>监听。</a:t>
-            </a:r>
-            <a:endParaRPr lang="en-US" altLang="zh-CN" sz="1400" dirty="0" smtClean="0">
-              <a:solidFill>
-                <a:schemeClr val="bg1">
-                  <a:lumMod val="50000"/>
-                </a:schemeClr>
-              </a:solidFill>
-              <a:latin typeface="微软雅黑" panose="020B0503020204020204" pitchFamily="34" charset="-122"/>
-              <a:ea typeface="微软雅黑" panose="020B0503020204020204" pitchFamily="34" charset="-122"/>
-            </a:endParaRPr>
-          </a:p>
-          <a:p>
             <a:endParaRPr lang="en-US" altLang="zh-CN" sz="1400" dirty="0">
               <a:solidFill>
                 <a:schemeClr val="bg1">
@@ -9046,76 +8817,89 @@
           </a:p>
           <a:p>
             <a:r>
-              <a:rPr lang="zh-CN" altLang="en-US" sz="1400" dirty="0" smtClean="0">
-                <a:solidFill>
-                  <a:schemeClr val="bg1">
-                    <a:lumMod val="50000"/>
-                  </a:schemeClr>
-                </a:solidFill>
-                <a:latin typeface="微软雅黑" panose="020B0503020204020204" pitchFamily="34" charset="-122"/>
-                <a:ea typeface="微软雅黑" panose="020B0503020204020204" pitchFamily="34" charset="-122"/>
-              </a:rPr>
-              <a:t>其中一个</a:t>
-            </a:r>
-            <a:r>
-              <a:rPr lang="en-US" altLang="zh-CN" sz="1400" dirty="0" smtClean="0">
-                <a:solidFill>
-                  <a:schemeClr val="bg1">
-                    <a:lumMod val="50000"/>
-                  </a:schemeClr>
-                </a:solidFill>
-                <a:latin typeface="微软雅黑" panose="020B0503020204020204" pitchFamily="34" charset="-122"/>
-                <a:ea typeface="微软雅黑" panose="020B0503020204020204" pitchFamily="34" charset="-122"/>
-              </a:rPr>
-              <a:t>View</a:t>
-            </a:r>
-            <a:r>
-              <a:rPr lang="zh-CN" altLang="en-US" sz="1400" dirty="0" smtClean="0">
-                <a:solidFill>
-                  <a:schemeClr val="bg1">
-                    <a:lumMod val="50000"/>
-                  </a:schemeClr>
-                </a:solidFill>
-                <a:latin typeface="微软雅黑" panose="020B0503020204020204" pitchFamily="34" charset="-122"/>
-                <a:ea typeface="微软雅黑" panose="020B0503020204020204" pitchFamily="34" charset="-122"/>
-              </a:rPr>
-              <a:t>对应一个</a:t>
-            </a:r>
-            <a:r>
-              <a:rPr lang="en-US" altLang="zh-CN" sz="1400" dirty="0" smtClean="0">
-                <a:solidFill>
-                  <a:schemeClr val="bg1">
-                    <a:lumMod val="50000"/>
-                  </a:schemeClr>
-                </a:solidFill>
-                <a:latin typeface="微软雅黑" panose="020B0503020204020204" pitchFamily="34" charset="-122"/>
-                <a:ea typeface="微软雅黑" panose="020B0503020204020204" pitchFamily="34" charset="-122"/>
-              </a:rPr>
-              <a:t>Mediator</a:t>
-            </a:r>
-            <a:r>
-              <a:rPr lang="zh-CN" altLang="en-US" sz="1400" dirty="0" smtClean="0">
-                <a:solidFill>
-                  <a:schemeClr val="bg1">
-                    <a:lumMod val="50000"/>
-                  </a:schemeClr>
-                </a:solidFill>
-                <a:latin typeface="微软雅黑" panose="020B0503020204020204" pitchFamily="34" charset="-122"/>
-                <a:ea typeface="微软雅黑" panose="020B0503020204020204" pitchFamily="34" charset="-122"/>
-              </a:rPr>
-              <a:t>。</a:t>
-            </a:r>
-            <a:endParaRPr lang="en-US" altLang="zh-CN" sz="1400" dirty="0" smtClean="0">
-              <a:solidFill>
-                <a:schemeClr val="bg1">
-                  <a:lumMod val="50000"/>
-                </a:schemeClr>
-              </a:solidFill>
-              <a:latin typeface="微软雅黑" panose="020B0503020204020204" pitchFamily="34" charset="-122"/>
-              <a:ea typeface="微软雅黑" panose="020B0503020204020204" pitchFamily="34" charset="-122"/>
-            </a:endParaRPr>
-          </a:p>
-          <a:p>
+              <a:rPr lang="zh-CN" altLang="en-US" sz="1400" dirty="0">
+                <a:solidFill>
+                  <a:schemeClr val="bg1">
+                    <a:lumMod val="50000"/>
+                  </a:schemeClr>
+                </a:solidFill>
+                <a:latin typeface="微软雅黑" panose="020B0503020204020204" pitchFamily="34" charset="-122"/>
+                <a:ea typeface="微软雅黑" panose="020B0503020204020204" pitchFamily="34" charset="-122"/>
+              </a:rPr>
+              <a:t>可以通过注入</a:t>
+            </a:r>
+            <a:r>
+              <a:rPr lang="en-US" altLang="zh-CN" sz="1400" dirty="0">
+                <a:solidFill>
+                  <a:schemeClr val="bg1">
+                    <a:lumMod val="50000"/>
+                  </a:schemeClr>
+                </a:solidFill>
+                <a:latin typeface="微软雅黑" panose="020B0503020204020204" pitchFamily="34" charset="-122"/>
+                <a:ea typeface="微软雅黑" panose="020B0503020204020204" pitchFamily="34" charset="-122"/>
+              </a:rPr>
+              <a:t>view</a:t>
+            </a:r>
+            <a:r>
+              <a:rPr lang="zh-CN" altLang="en-US" sz="1400" dirty="0">
+                <a:solidFill>
+                  <a:schemeClr val="bg1">
+                    <a:lumMod val="50000"/>
+                  </a:schemeClr>
+                </a:solidFill>
+                <a:latin typeface="微软雅黑" panose="020B0503020204020204" pitchFamily="34" charset="-122"/>
+                <a:ea typeface="微软雅黑" panose="020B0503020204020204" pitchFamily="34" charset="-122"/>
+              </a:rPr>
+              <a:t>知道对应哪个具体的</a:t>
+            </a:r>
+            <a:r>
+              <a:rPr lang="en-US" altLang="zh-CN" sz="1400" dirty="0">
+                <a:solidFill>
+                  <a:schemeClr val="bg1">
+                    <a:lumMod val="50000"/>
+                  </a:schemeClr>
+                </a:solidFill>
+                <a:latin typeface="微软雅黑" panose="020B0503020204020204" pitchFamily="34" charset="-122"/>
+                <a:ea typeface="微软雅黑" panose="020B0503020204020204" pitchFamily="34" charset="-122"/>
+              </a:rPr>
+              <a:t>view</a:t>
+            </a:r>
+            <a:r>
+              <a:rPr lang="zh-CN" altLang="en-US" sz="1400" dirty="0">
+                <a:solidFill>
+                  <a:schemeClr val="bg1">
+                    <a:lumMod val="50000"/>
+                  </a:schemeClr>
+                </a:solidFill>
+                <a:latin typeface="微软雅黑" panose="020B0503020204020204" pitchFamily="34" charset="-122"/>
+                <a:ea typeface="微软雅黑" panose="020B0503020204020204" pitchFamily="34" charset="-122"/>
+              </a:rPr>
+              <a:t>，注入完成后</a:t>
+            </a:r>
+            <a:r>
+              <a:rPr lang="en-US" altLang="zh-CN" sz="1400" dirty="0" err="1">
+                <a:solidFill>
+                  <a:schemeClr val="bg1">
+                    <a:lumMod val="50000"/>
+                  </a:schemeClr>
+                </a:solidFill>
+                <a:latin typeface="微软雅黑" panose="020B0503020204020204" pitchFamily="34" charset="-122"/>
+                <a:ea typeface="微软雅黑" panose="020B0503020204020204" pitchFamily="34" charset="-122"/>
+              </a:rPr>
+              <a:t>OnRegister</a:t>
+            </a:r>
+            <a:r>
+              <a:rPr lang="zh-CN" altLang="en-US" sz="1400" dirty="0">
+                <a:solidFill>
+                  <a:schemeClr val="bg1">
+                    <a:lumMod val="50000"/>
+                  </a:schemeClr>
+                </a:solidFill>
+                <a:latin typeface="微软雅黑" panose="020B0503020204020204" pitchFamily="34" charset="-122"/>
+                <a:ea typeface="微软雅黑" panose="020B0503020204020204" pitchFamily="34" charset="-122"/>
+              </a:rPr>
+              <a:t>（）方法会立即执行，可用来做初始化。</a:t>
+            </a:r>
             <a:endParaRPr lang="en-US" altLang="zh-CN" sz="1400" dirty="0">
               <a:solidFill>
                 <a:schemeClr val="bg1">
@@ -9128,6 +8912,30 @@
           </a:p>
           <a:p>
             <a:r>
+              <a:rPr lang="en-US" altLang="zh-CN" sz="1400" dirty="0" err="1">
+                <a:solidFill>
+                  <a:schemeClr val="bg1">
+                    <a:lumMod val="50000"/>
+                  </a:schemeClr>
+                </a:solidFill>
+                <a:latin typeface="微软雅黑" panose="020B0503020204020204" pitchFamily="34" charset="-122"/>
+                <a:ea typeface="微软雅黑" panose="020B0503020204020204" pitchFamily="34" charset="-122"/>
+              </a:rPr>
+              <a:t>OnRemove</a:t>
+            </a:r>
+            <a:r>
+              <a:rPr lang="zh-CN" altLang="en-US" sz="1400" dirty="0">
+                <a:solidFill>
+                  <a:schemeClr val="bg1">
+                    <a:lumMod val="50000"/>
+                  </a:schemeClr>
+                </a:solidFill>
+                <a:latin typeface="微软雅黑" panose="020B0503020204020204" pitchFamily="34" charset="-122"/>
+                <a:ea typeface="微软雅黑" panose="020B0503020204020204" pitchFamily="34" charset="-122"/>
+              </a:rPr>
+              <a:t>（）清理时使用，当一个</a:t>
+            </a:r>
+            <a:r>
               <a:rPr lang="en-US" altLang="zh-CN" sz="1400" dirty="0">
                 <a:solidFill>
                   <a:schemeClr val="bg1">
@@ -9137,6 +8945,134 @@
                 <a:latin typeface="微软雅黑" panose="020B0503020204020204" pitchFamily="34" charset="-122"/>
                 <a:ea typeface="微软雅黑" panose="020B0503020204020204" pitchFamily="34" charset="-122"/>
               </a:rPr>
+              <a:t>view</a:t>
+            </a:r>
+            <a:r>
+              <a:rPr lang="zh-CN" altLang="en-US" sz="1400" dirty="0">
+                <a:solidFill>
+                  <a:schemeClr val="bg1">
+                    <a:lumMod val="50000"/>
+                  </a:schemeClr>
+                </a:solidFill>
+                <a:latin typeface="微软雅黑" panose="020B0503020204020204" pitchFamily="34" charset="-122"/>
+                <a:ea typeface="微软雅黑" panose="020B0503020204020204" pitchFamily="34" charset="-122"/>
+              </a:rPr>
+              <a:t>销毁前被调用，移除时记得删除你的监听。</a:t>
+            </a:r>
+            <a:endParaRPr lang="en-US" altLang="zh-CN" sz="1400" dirty="0">
+              <a:solidFill>
+                <a:schemeClr val="bg1">
+                  <a:lumMod val="50000"/>
+                </a:schemeClr>
+              </a:solidFill>
+              <a:latin typeface="微软雅黑" panose="020B0503020204020204" pitchFamily="34" charset="-122"/>
+              <a:ea typeface="微软雅黑" panose="020B0503020204020204" pitchFamily="34" charset="-122"/>
+            </a:endParaRPr>
+          </a:p>
+          <a:p>
+            <a:endParaRPr lang="en-US" altLang="zh-CN" sz="1400" dirty="0">
+              <a:solidFill>
+                <a:schemeClr val="bg1">
+                  <a:lumMod val="50000"/>
+                </a:schemeClr>
+              </a:solidFill>
+              <a:latin typeface="微软雅黑" panose="020B0503020204020204" pitchFamily="34" charset="-122"/>
+              <a:ea typeface="微软雅黑" panose="020B0503020204020204" pitchFamily="34" charset="-122"/>
+            </a:endParaRPr>
+          </a:p>
+          <a:p>
+            <a:r>
+              <a:rPr lang="zh-CN" altLang="en-US" sz="1400" dirty="0">
+                <a:solidFill>
+                  <a:schemeClr val="bg1">
+                    <a:lumMod val="50000"/>
+                  </a:schemeClr>
+                </a:solidFill>
+                <a:latin typeface="微软雅黑" panose="020B0503020204020204" pitchFamily="34" charset="-122"/>
+                <a:ea typeface="微软雅黑" panose="020B0503020204020204" pitchFamily="34" charset="-122"/>
+              </a:rPr>
+              <a:t>其中一个</a:t>
+            </a:r>
+            <a:r>
+              <a:rPr lang="en-US" altLang="zh-CN" sz="1400" dirty="0">
+                <a:solidFill>
+                  <a:schemeClr val="bg1">
+                    <a:lumMod val="50000"/>
+                  </a:schemeClr>
+                </a:solidFill>
+                <a:latin typeface="微软雅黑" panose="020B0503020204020204" pitchFamily="34" charset="-122"/>
+                <a:ea typeface="微软雅黑" panose="020B0503020204020204" pitchFamily="34" charset="-122"/>
+              </a:rPr>
+              <a:t>View</a:t>
+            </a:r>
+            <a:r>
+              <a:rPr lang="zh-CN" altLang="en-US" sz="1400" dirty="0">
+                <a:solidFill>
+                  <a:schemeClr val="bg1">
+                    <a:lumMod val="50000"/>
+                  </a:schemeClr>
+                </a:solidFill>
+                <a:latin typeface="微软雅黑" panose="020B0503020204020204" pitchFamily="34" charset="-122"/>
+                <a:ea typeface="微软雅黑" panose="020B0503020204020204" pitchFamily="34" charset="-122"/>
+              </a:rPr>
+              <a:t>对应一个</a:t>
+            </a:r>
+            <a:r>
+              <a:rPr lang="en-US" altLang="zh-CN" sz="1400" dirty="0">
+                <a:solidFill>
+                  <a:schemeClr val="bg1">
+                    <a:lumMod val="50000"/>
+                  </a:schemeClr>
+                </a:solidFill>
+                <a:latin typeface="微软雅黑" panose="020B0503020204020204" pitchFamily="34" charset="-122"/>
+                <a:ea typeface="微软雅黑" panose="020B0503020204020204" pitchFamily="34" charset="-122"/>
+              </a:rPr>
+              <a:t>Mediator</a:t>
+            </a:r>
+            <a:r>
+              <a:rPr lang="zh-CN" altLang="en-US" sz="1400" dirty="0">
+                <a:solidFill>
+                  <a:schemeClr val="bg1">
+                    <a:lumMod val="50000"/>
+                  </a:schemeClr>
+                </a:solidFill>
+                <a:latin typeface="微软雅黑" panose="020B0503020204020204" pitchFamily="34" charset="-122"/>
+                <a:ea typeface="微软雅黑" panose="020B0503020204020204" pitchFamily="34" charset="-122"/>
+              </a:rPr>
+              <a:t>。</a:t>
+            </a:r>
+            <a:endParaRPr lang="en-US" altLang="zh-CN" sz="1400" dirty="0">
+              <a:solidFill>
+                <a:schemeClr val="bg1">
+                  <a:lumMod val="50000"/>
+                </a:schemeClr>
+              </a:solidFill>
+              <a:latin typeface="微软雅黑" panose="020B0503020204020204" pitchFamily="34" charset="-122"/>
+              <a:ea typeface="微软雅黑" panose="020B0503020204020204" pitchFamily="34" charset="-122"/>
+            </a:endParaRPr>
+          </a:p>
+          <a:p>
+            <a:endParaRPr lang="en-US" altLang="zh-CN" sz="1400" dirty="0">
+              <a:solidFill>
+                <a:schemeClr val="bg1">
+                  <a:lumMod val="50000"/>
+                </a:schemeClr>
+              </a:solidFill>
+              <a:latin typeface="微软雅黑" panose="020B0503020204020204" pitchFamily="34" charset="-122"/>
+              <a:ea typeface="微软雅黑" panose="020B0503020204020204" pitchFamily="34" charset="-122"/>
+            </a:endParaRPr>
+          </a:p>
+          <a:p>
+            <a:r>
+              <a:rPr lang="en-US" altLang="zh-CN" sz="1400" dirty="0">
+                <a:solidFill>
+                  <a:schemeClr val="bg1">
+                    <a:lumMod val="50000"/>
+                  </a:schemeClr>
+                </a:solidFill>
+                <a:latin typeface="微软雅黑" panose="020B0503020204020204" pitchFamily="34" charset="-122"/>
+                <a:ea typeface="微软雅黑" panose="020B0503020204020204" pitchFamily="34" charset="-122"/>
+              </a:rPr>
               <a:t>Mediator  </a:t>
             </a:r>
             <a:r>
@@ -9188,18 +9124,6 @@
               <a:t>Command</a:t>
             </a:r>
             <a:r>
-              <a:rPr lang="zh-CN" altLang="en-US" sz="1400" dirty="0" smtClean="0">
-                <a:solidFill>
-                  <a:schemeClr val="bg1">
-                    <a:lumMod val="50000"/>
-                  </a:schemeClr>
-                </a:solidFill>
-                <a:latin typeface="微软雅黑" panose="020B0503020204020204" pitchFamily="34" charset="-122"/>
-                <a:ea typeface="微软雅黑" panose="020B0503020204020204" pitchFamily="34" charset="-122"/>
-              </a:rPr>
-              <a:t>交互，</a:t>
-            </a:r>
-            <a:r>
               <a:rPr lang="zh-CN" altLang="en-US" sz="1400" dirty="0">
                 <a:solidFill>
                   <a:schemeClr val="bg1">
@@ -9209,7 +9133,7 @@
                 <a:latin typeface="微软雅黑" panose="020B0503020204020204" pitchFamily="34" charset="-122"/>
                 <a:ea typeface="微软雅黑" panose="020B0503020204020204" pitchFamily="34" charset="-122"/>
               </a:rPr>
-              <a:t>他的功能就是隔离了</a:t>
+              <a:t>交互，他的功能就是隔离了</a:t>
             </a:r>
             <a:r>
               <a:rPr lang="en-US" altLang="zh-CN" sz="1400" dirty="0">
@@ -9339,7 +9263,7 @@
           <a:lstStyle/>
           <a:p>
             <a:r>
-              <a:rPr lang="en-US" altLang="zh-CN" sz="2800" dirty="0" smtClean="0">
+              <a:rPr lang="en-US" altLang="zh-CN" sz="2800" dirty="0">
                 <a:solidFill>
                   <a:srgbClr val="0070C0"/>
                 </a:solidFill>
@@ -9349,7 +9273,7 @@
               <a:t>strangeIOC</a:t>
             </a:r>
             <a:r>
-              <a:rPr lang="zh-CN" altLang="en-US" sz="2800" dirty="0" smtClean="0">
+              <a:rPr lang="zh-CN" altLang="en-US" sz="2800" dirty="0">
                 <a:solidFill>
                   <a:srgbClr val="0070C0"/>
                 </a:solidFill>
@@ -9358,7 +9282,7 @@
               </a:rPr>
               <a:t>基本框架之</a:t>
             </a:r>
-            <a:endParaRPr lang="en-US" altLang="zh-CN" sz="2800" dirty="0" smtClean="0">
+            <a:endParaRPr lang="en-US" altLang="zh-CN" sz="2800" dirty="0">
               <a:solidFill>
                 <a:srgbClr val="0070C0"/>
               </a:solidFill>
@@ -9368,7 +9292,7 @@
           </a:p>
           <a:p>
             <a:r>
-              <a:rPr lang="zh-CN" altLang="en-US" sz="2000" dirty="0" smtClean="0">
+              <a:rPr lang="zh-CN" altLang="en-US" sz="2000" dirty="0">
                 <a:solidFill>
                   <a:srgbClr val="0070C0"/>
                 </a:solidFill>
@@ -9440,7 +9364,7 @@
           <a:lstStyle/>
           <a:p>
             <a:r>
-              <a:rPr lang="en-US" altLang="zh-CN" sz="1400" dirty="0" smtClean="0">
+              <a:rPr lang="en-US" altLang="zh-CN" sz="1400" dirty="0">
                 <a:solidFill>
                   <a:schemeClr val="bg1">
                     <a:lumMod val="50000"/>
@@ -9452,7 +9376,7 @@
               <a:t>1.</a:t>
             </a:r>
             <a:r>
-              <a:rPr lang="zh-CN" altLang="en-US" sz="1400" dirty="0" smtClean="0">
+              <a:rPr lang="zh-CN" altLang="en-US" sz="1400" dirty="0">
                 <a:solidFill>
                   <a:schemeClr val="bg1">
                     <a:lumMod val="50000"/>
@@ -9593,21 +9517,9 @@
                 <a:latin typeface="微软雅黑" panose="020B0503020204020204" pitchFamily="34" charset="-122"/>
                 <a:ea typeface="微软雅黑" panose="020B0503020204020204" pitchFamily="34" charset="-122"/>
               </a:rPr>
-              <a:t>的类会按照你制定的规则自动</a:t>
-            </a:r>
-            <a:r>
-              <a:rPr lang="zh-CN" altLang="en-US" sz="1400" dirty="0" smtClean="0">
-                <a:solidFill>
-                  <a:schemeClr val="bg1">
-                    <a:lumMod val="50000"/>
-                  </a:schemeClr>
-                </a:solidFill>
-                <a:latin typeface="微软雅黑" panose="020B0503020204020204" pitchFamily="34" charset="-122"/>
-                <a:ea typeface="微软雅黑" panose="020B0503020204020204" pitchFamily="34" charset="-122"/>
-              </a:rPr>
-              <a:t>创建</a:t>
-            </a:r>
-            <a:endParaRPr lang="en-US" altLang="zh-CN" sz="1400" dirty="0" smtClean="0">
+              <a:t>的类会按照你制定的规则自动创建</a:t>
+            </a:r>
+            <a:endParaRPr lang="en-US" altLang="zh-CN" sz="1400" dirty="0">
               <a:solidFill>
                 <a:schemeClr val="bg1">
                   <a:lumMod val="50000"/>
@@ -9630,18 +9542,6 @@
           </a:p>
           <a:p>
             <a:r>
-              <a:rPr lang="en-US" altLang="zh-CN" sz="1400" dirty="0" smtClean="0">
-                <a:solidFill>
-                  <a:schemeClr val="bg1">
-                    <a:lumMod val="50000"/>
-                  </a:schemeClr>
-                </a:solidFill>
-                <a:latin typeface="微软雅黑" panose="020B0503020204020204" pitchFamily="34" charset="-122"/>
-                <a:ea typeface="微软雅黑" panose="020B0503020204020204" pitchFamily="34" charset="-122"/>
-              </a:rPr>
-              <a:t>2</a:t>
-            </a:r>
-            <a:r>
               <a:rPr lang="en-US" altLang="zh-CN" sz="1400" dirty="0">
                 <a:solidFill>
                   <a:schemeClr val="bg1">
@@ -9651,19 +9551,7 @@
                 <a:latin typeface="微软雅黑" panose="020B0503020204020204" pitchFamily="34" charset="-122"/>
                 <a:ea typeface="微软雅黑" panose="020B0503020204020204" pitchFamily="34" charset="-122"/>
               </a:rPr>
-              <a:t>.</a:t>
-            </a:r>
-            <a:r>
-              <a:rPr lang="zh-CN" altLang="en-US" sz="1400" dirty="0" smtClean="0">
-                <a:solidFill>
-                  <a:schemeClr val="bg1">
-                    <a:lumMod val="50000"/>
-                  </a:schemeClr>
-                </a:solidFill>
-                <a:latin typeface="微软雅黑" panose="020B0503020204020204" pitchFamily="34" charset="-122"/>
-                <a:ea typeface="微软雅黑" panose="020B0503020204020204" pitchFamily="34" charset="-122"/>
-              </a:rPr>
-              <a:t>之后</a:t>
+              <a:t>2.</a:t>
             </a:r>
             <a:r>
               <a:rPr lang="zh-CN" altLang="en-US" sz="1400" dirty="0">
@@ -9675,7 +9563,7 @@
                 <a:latin typeface="微软雅黑" panose="020B0503020204020204" pitchFamily="34" charset="-122"/>
                 <a:ea typeface="微软雅黑" panose="020B0503020204020204" pitchFamily="34" charset="-122"/>
               </a:rPr>
-              <a:t>程序会找到框架内的一个</a:t>
+              <a:t>之后程序会找到框架内的一个</a:t>
             </a:r>
             <a:r>
               <a:rPr lang="en-US" altLang="zh-CN" sz="1400" dirty="0">
@@ -9762,7 +9650,7 @@
               <a:t>Execute</a:t>
             </a:r>
             <a:r>
-              <a:rPr lang="zh-CN" altLang="en-US" sz="1400" dirty="0" smtClean="0">
+              <a:rPr lang="zh-CN" altLang="en-US" sz="1400" dirty="0">
                 <a:solidFill>
                   <a:schemeClr val="bg1">
                     <a:lumMod val="50000"/>
@@ -9773,7 +9661,7 @@
               </a:rPr>
               <a:t>方法</a:t>
             </a:r>
-            <a:endParaRPr lang="en-US" altLang="zh-CN" sz="1400" dirty="0" smtClean="0">
+            <a:endParaRPr lang="en-US" altLang="zh-CN" sz="1400" dirty="0">
               <a:solidFill>
                 <a:schemeClr val="bg1">
                   <a:lumMod val="50000"/>
@@ -9796,18 +9684,6 @@
           </a:p>
           <a:p>
             <a:r>
-              <a:rPr lang="en-US" altLang="zh-CN" sz="1400" dirty="0" smtClean="0">
-                <a:solidFill>
-                  <a:schemeClr val="bg1">
-                    <a:lumMod val="50000"/>
-                  </a:schemeClr>
-                </a:solidFill>
-                <a:latin typeface="微软雅黑" panose="020B0503020204020204" pitchFamily="34" charset="-122"/>
-                <a:ea typeface="微软雅黑" panose="020B0503020204020204" pitchFamily="34" charset="-122"/>
-              </a:rPr>
-              <a:t>3</a:t>
-            </a:r>
-            <a:r>
               <a:rPr lang="en-US" altLang="zh-CN" sz="1400" dirty="0">
                 <a:solidFill>
                   <a:schemeClr val="bg1">
@@ -9817,19 +9693,7 @@
                 <a:latin typeface="微软雅黑" panose="020B0503020204020204" pitchFamily="34" charset="-122"/>
                 <a:ea typeface="微软雅黑" panose="020B0503020204020204" pitchFamily="34" charset="-122"/>
               </a:rPr>
-              <a:t>.</a:t>
-            </a:r>
-            <a:r>
-              <a:rPr lang="zh-CN" altLang="en-US" sz="1400" dirty="0" smtClean="0">
-                <a:solidFill>
-                  <a:schemeClr val="bg1">
-                    <a:lumMod val="50000"/>
-                  </a:schemeClr>
-                </a:solidFill>
-                <a:latin typeface="微软雅黑" panose="020B0503020204020204" pitchFamily="34" charset="-122"/>
-                <a:ea typeface="微软雅黑" panose="020B0503020204020204" pitchFamily="34" charset="-122"/>
-              </a:rPr>
-              <a:t>这</a:t>
+              <a:t>3.</a:t>
             </a:r>
             <a:r>
               <a:rPr lang="zh-CN" altLang="en-US" sz="1400" dirty="0">
@@ -9841,7 +9705,7 @@
                 <a:latin typeface="微软雅黑" panose="020B0503020204020204" pitchFamily="34" charset="-122"/>
                 <a:ea typeface="微软雅黑" panose="020B0503020204020204" pitchFamily="34" charset="-122"/>
               </a:rPr>
-              <a:t>在同时当</a:t>
+              <a:t>这在同时当</a:t>
             </a:r>
             <a:r>
               <a:rPr lang="en-US" altLang="zh-CN" sz="1400" dirty="0">
